--- a/trunk/project docs/Final Presentation.pptx
+++ b/trunk/project docs/Final Presentation.pptx
@@ -403,11 +403,11 @@
         </c:dLbls>
         <c:marker val="1"/>
         <c:smooth val="0"/>
-        <c:axId val="113447680"/>
-        <c:axId val="113449600"/>
+        <c:axId val="106570496"/>
+        <c:axId val="106572416"/>
       </c:lineChart>
       <c:catAx>
-        <c:axId val="113447680"/>
+        <c:axId val="106570496"/>
         <c:scaling>
           <c:orientation val="minMax"/>
         </c:scaling>
@@ -441,7 +441,7 @@
         <c:majorTickMark val="out"/>
         <c:minorTickMark val="none"/>
         <c:tickLblPos val="nextTo"/>
-        <c:crossAx val="113449600"/>
+        <c:crossAx val="106572416"/>
         <c:crosses val="autoZero"/>
         <c:auto val="1"/>
         <c:lblAlgn val="ctr"/>
@@ -449,7 +449,7 @@
         <c:noMultiLvlLbl val="0"/>
       </c:catAx>
       <c:valAx>
-        <c:axId val="113449600"/>
+        <c:axId val="106572416"/>
         <c:scaling>
           <c:orientation val="minMax"/>
         </c:scaling>
@@ -479,7 +479,7 @@
         <c:majorTickMark val="out"/>
         <c:minorTickMark val="none"/>
         <c:tickLblPos val="nextTo"/>
-        <c:crossAx val="113447680"/>
+        <c:crossAx val="106570496"/>
         <c:crosses val="autoZero"/>
         <c:crossBetween val="midCat"/>
       </c:valAx>
@@ -618,11 +618,11 @@
         </c:dLbls>
         <c:gapWidth val="150"/>
         <c:overlap val="100"/>
-        <c:axId val="113496448"/>
-        <c:axId val="113497984"/>
+        <c:axId val="106615168"/>
+        <c:axId val="106616704"/>
       </c:barChart>
       <c:catAx>
-        <c:axId val="113496448"/>
+        <c:axId val="106615168"/>
         <c:scaling>
           <c:orientation val="minMax"/>
         </c:scaling>
@@ -631,7 +631,7 @@
         <c:majorTickMark val="out"/>
         <c:minorTickMark val="none"/>
         <c:tickLblPos val="nextTo"/>
-        <c:crossAx val="113497984"/>
+        <c:crossAx val="106616704"/>
         <c:crosses val="autoZero"/>
         <c:auto val="1"/>
         <c:lblAlgn val="ctr"/>
@@ -639,7 +639,7 @@
         <c:noMultiLvlLbl val="0"/>
       </c:catAx>
       <c:valAx>
-        <c:axId val="113497984"/>
+        <c:axId val="106616704"/>
         <c:scaling>
           <c:orientation val="minMax"/>
         </c:scaling>
@@ -669,7 +669,7 @@
         <c:majorTickMark val="out"/>
         <c:minorTickMark val="none"/>
         <c:tickLblPos val="nextTo"/>
-        <c:crossAx val="113496448"/>
+        <c:crossAx val="106615168"/>
         <c:crosses val="autoZero"/>
         <c:crossBetween val="between"/>
       </c:valAx>
@@ -823,11 +823,11 @@
         </c:dLbls>
         <c:marker val="1"/>
         <c:smooth val="0"/>
-        <c:axId val="22443904"/>
-        <c:axId val="22446080"/>
+        <c:axId val="28202112"/>
+        <c:axId val="28204032"/>
       </c:lineChart>
       <c:catAx>
-        <c:axId val="22443904"/>
+        <c:axId val="28202112"/>
         <c:scaling>
           <c:orientation val="minMax"/>
         </c:scaling>
@@ -856,7 +856,7 @@
         <c:majorTickMark val="out"/>
         <c:minorTickMark val="none"/>
         <c:tickLblPos val="nextTo"/>
-        <c:crossAx val="22446080"/>
+        <c:crossAx val="28204032"/>
         <c:crosses val="autoZero"/>
         <c:auto val="1"/>
         <c:lblAlgn val="ctr"/>
@@ -864,7 +864,7 @@
         <c:noMultiLvlLbl val="0"/>
       </c:catAx>
       <c:valAx>
-        <c:axId val="22446080"/>
+        <c:axId val="28204032"/>
         <c:scaling>
           <c:orientation val="minMax"/>
           <c:max val="0.82000000000000017"/>
@@ -895,7 +895,7 @@
         <c:majorTickMark val="out"/>
         <c:minorTickMark val="none"/>
         <c:tickLblPos val="nextTo"/>
-        <c:crossAx val="22443904"/>
+        <c:crossAx val="28202112"/>
         <c:crosses val="autoZero"/>
         <c:crossBetween val="between"/>
       </c:valAx>
@@ -1029,11 +1029,11 @@
         </c:dLbls>
         <c:marker val="1"/>
         <c:smooth val="0"/>
-        <c:axId val="131225088"/>
-        <c:axId val="131227008"/>
+        <c:axId val="28238592"/>
+        <c:axId val="28240512"/>
       </c:lineChart>
       <c:catAx>
-        <c:axId val="131225088"/>
+        <c:axId val="28238592"/>
         <c:scaling>
           <c:orientation val="minMax"/>
         </c:scaling>
@@ -1067,7 +1067,7 @@
         <c:majorTickMark val="none"/>
         <c:minorTickMark val="none"/>
         <c:tickLblPos val="nextTo"/>
-        <c:crossAx val="131227008"/>
+        <c:crossAx val="28240512"/>
         <c:crosses val="autoZero"/>
         <c:auto val="1"/>
         <c:lblAlgn val="ctr"/>
@@ -1075,7 +1075,7 @@
         <c:noMultiLvlLbl val="0"/>
       </c:catAx>
       <c:valAx>
-        <c:axId val="131227008"/>
+        <c:axId val="28240512"/>
         <c:scaling>
           <c:orientation val="minMax"/>
           <c:min val="0.4"/>
@@ -1107,7 +1107,7 @@
         <c:majorTickMark val="none"/>
         <c:minorTickMark val="none"/>
         <c:tickLblPos val="nextTo"/>
-        <c:crossAx val="131225088"/>
+        <c:crossAx val="28238592"/>
         <c:crosses val="autoZero"/>
         <c:crossBetween val="between"/>
       </c:valAx>
@@ -12633,15 +12633,15 @@
                 </p:spPr>
                 <p:style>
                   <a:lnRef idx="2">
-                    <a:schemeClr val="accent4">
+                    <a:schemeClr val="accent5">
                       <a:shade val="50000"/>
                     </a:schemeClr>
                   </a:lnRef>
                   <a:fillRef idx="1">
-                    <a:schemeClr val="accent4"/>
+                    <a:schemeClr val="accent5"/>
                   </a:fillRef>
                   <a:effectRef idx="0">
-                    <a:schemeClr val="accent4"/>
+                    <a:schemeClr val="accent5"/>
                   </a:effectRef>
                   <a:fontRef idx="minor">
                     <a:schemeClr val="lt1"/>
@@ -14366,15 +14366,15 @@
                 </p:spPr>
                 <p:style>
                   <a:lnRef idx="2">
-                    <a:schemeClr val="accent4">
+                    <a:schemeClr val="accent5">
                       <a:shade val="50000"/>
                     </a:schemeClr>
                   </a:lnRef>
                   <a:fillRef idx="1">
-                    <a:schemeClr val="accent4"/>
+                    <a:schemeClr val="accent5"/>
                   </a:fillRef>
                   <a:effectRef idx="0">
-                    <a:schemeClr val="accent4"/>
+                    <a:schemeClr val="accent5"/>
                   </a:effectRef>
                   <a:fontRef idx="minor">
                     <a:schemeClr val="lt1"/>
@@ -14398,7 +14398,7 @@
                       </a:spcAft>
                     </a:pPr>
                     <a:r>
-                      <a:rPr lang="en-US" sz="1200" kern="1200">
+                      <a:rPr lang="en-US" sz="1200" kern="1200" dirty="0">
                         <a:solidFill>
                           <a:srgbClr val="000000"/>
                         </a:solidFill>
@@ -14409,7 +14409,7 @@
                       </a:rPr>
                       <a:t>Matching Engine</a:t>
                     </a:r>
-                    <a:endParaRPr lang="en-US" sz="1200">
+                    <a:endParaRPr lang="en-US" sz="1200" dirty="0">
                       <a:effectLst/>
                       <a:latin typeface="Times New Roman"/>
                       <a:ea typeface="Times New Roman"/>
@@ -22493,15 +22493,15 @@
                 </p:spPr>
                 <p:style>
                   <a:lnRef idx="2">
-                    <a:schemeClr val="accent4">
+                    <a:schemeClr val="accent5">
                       <a:shade val="50000"/>
                     </a:schemeClr>
                   </a:lnRef>
                   <a:fillRef idx="1">
-                    <a:schemeClr val="accent4"/>
+                    <a:schemeClr val="accent5"/>
                   </a:fillRef>
                   <a:effectRef idx="0">
-                    <a:schemeClr val="accent4"/>
+                    <a:schemeClr val="accent5"/>
                   </a:effectRef>
                   <a:fontRef idx="minor">
                     <a:schemeClr val="lt1"/>

--- a/trunk/project docs/Final Presentation.pptx
+++ b/trunk/project docs/Final Presentation.pptx
@@ -41,8 +41,9 @@
     <p:sldId id="294" r:id="rId35"/>
     <p:sldId id="277" r:id="rId36"/>
     <p:sldId id="315" r:id="rId37"/>
-    <p:sldId id="269" r:id="rId38"/>
-    <p:sldId id="270" r:id="rId39"/>
+    <p:sldId id="324" r:id="rId38"/>
+    <p:sldId id="269" r:id="rId39"/>
+    <p:sldId id="270" r:id="rId40"/>
   </p:sldIdLst>
   <p:sldSz cx="9144000" cy="6858000" type="screen4x3"/>
   <p:notesSz cx="6858000" cy="9144000"/>
@@ -403,11 +404,11 @@
         </c:dLbls>
         <c:marker val="1"/>
         <c:smooth val="0"/>
-        <c:axId val="106570496"/>
-        <c:axId val="106572416"/>
+        <c:axId val="107797504"/>
+        <c:axId val="107906176"/>
       </c:lineChart>
       <c:catAx>
-        <c:axId val="106570496"/>
+        <c:axId val="107797504"/>
         <c:scaling>
           <c:orientation val="minMax"/>
         </c:scaling>
@@ -441,7 +442,7 @@
         <c:majorTickMark val="out"/>
         <c:minorTickMark val="none"/>
         <c:tickLblPos val="nextTo"/>
-        <c:crossAx val="106572416"/>
+        <c:crossAx val="107906176"/>
         <c:crosses val="autoZero"/>
         <c:auto val="1"/>
         <c:lblAlgn val="ctr"/>
@@ -449,7 +450,7 @@
         <c:noMultiLvlLbl val="0"/>
       </c:catAx>
       <c:valAx>
-        <c:axId val="106572416"/>
+        <c:axId val="107906176"/>
         <c:scaling>
           <c:orientation val="minMax"/>
         </c:scaling>
@@ -479,7 +480,7 @@
         <c:majorTickMark val="out"/>
         <c:minorTickMark val="none"/>
         <c:tickLblPos val="nextTo"/>
-        <c:crossAx val="106570496"/>
+        <c:crossAx val="107797504"/>
         <c:crosses val="autoZero"/>
         <c:crossBetween val="midCat"/>
       </c:valAx>
@@ -618,11 +619,11 @@
         </c:dLbls>
         <c:gapWidth val="150"/>
         <c:overlap val="100"/>
-        <c:axId val="106615168"/>
-        <c:axId val="106616704"/>
+        <c:axId val="107924096"/>
+        <c:axId val="107934080"/>
       </c:barChart>
       <c:catAx>
-        <c:axId val="106615168"/>
+        <c:axId val="107924096"/>
         <c:scaling>
           <c:orientation val="minMax"/>
         </c:scaling>
@@ -631,7 +632,7 @@
         <c:majorTickMark val="out"/>
         <c:minorTickMark val="none"/>
         <c:tickLblPos val="nextTo"/>
-        <c:crossAx val="106616704"/>
+        <c:crossAx val="107934080"/>
         <c:crosses val="autoZero"/>
         <c:auto val="1"/>
         <c:lblAlgn val="ctr"/>
@@ -639,7 +640,7 @@
         <c:noMultiLvlLbl val="0"/>
       </c:catAx>
       <c:valAx>
-        <c:axId val="106616704"/>
+        <c:axId val="107934080"/>
         <c:scaling>
           <c:orientation val="minMax"/>
         </c:scaling>
@@ -669,7 +670,7 @@
         <c:majorTickMark val="out"/>
         <c:minorTickMark val="none"/>
         <c:tickLblPos val="nextTo"/>
-        <c:crossAx val="106615168"/>
+        <c:crossAx val="107924096"/>
         <c:crosses val="autoZero"/>
         <c:crossBetween val="between"/>
       </c:valAx>
@@ -823,11 +824,11 @@
         </c:dLbls>
         <c:marker val="1"/>
         <c:smooth val="0"/>
-        <c:axId val="28202112"/>
-        <c:axId val="28204032"/>
+        <c:axId val="194989440"/>
+        <c:axId val="195380736"/>
       </c:lineChart>
       <c:catAx>
-        <c:axId val="28202112"/>
+        <c:axId val="194989440"/>
         <c:scaling>
           <c:orientation val="minMax"/>
         </c:scaling>
@@ -856,7 +857,7 @@
         <c:majorTickMark val="out"/>
         <c:minorTickMark val="none"/>
         <c:tickLblPos val="nextTo"/>
-        <c:crossAx val="28204032"/>
+        <c:crossAx val="195380736"/>
         <c:crosses val="autoZero"/>
         <c:auto val="1"/>
         <c:lblAlgn val="ctr"/>
@@ -864,7 +865,7 @@
         <c:noMultiLvlLbl val="0"/>
       </c:catAx>
       <c:valAx>
-        <c:axId val="28204032"/>
+        <c:axId val="195380736"/>
         <c:scaling>
           <c:orientation val="minMax"/>
           <c:max val="0.82000000000000017"/>
@@ -895,7 +896,7 @@
         <c:majorTickMark val="out"/>
         <c:minorTickMark val="none"/>
         <c:tickLblPos val="nextTo"/>
-        <c:crossAx val="28202112"/>
+        <c:crossAx val="194989440"/>
         <c:crosses val="autoZero"/>
         <c:crossBetween val="between"/>
       </c:valAx>
@@ -1029,11 +1030,11 @@
         </c:dLbls>
         <c:marker val="1"/>
         <c:smooth val="0"/>
-        <c:axId val="28238592"/>
-        <c:axId val="28240512"/>
+        <c:axId val="195406848"/>
+        <c:axId val="195585152"/>
       </c:lineChart>
       <c:catAx>
-        <c:axId val="28238592"/>
+        <c:axId val="195406848"/>
         <c:scaling>
           <c:orientation val="minMax"/>
         </c:scaling>
@@ -1067,7 +1068,7 @@
         <c:majorTickMark val="none"/>
         <c:minorTickMark val="none"/>
         <c:tickLblPos val="nextTo"/>
-        <c:crossAx val="28240512"/>
+        <c:crossAx val="195585152"/>
         <c:crosses val="autoZero"/>
         <c:auto val="1"/>
         <c:lblAlgn val="ctr"/>
@@ -1075,7 +1076,7 @@
         <c:noMultiLvlLbl val="0"/>
       </c:catAx>
       <c:valAx>
-        <c:axId val="28240512"/>
+        <c:axId val="195585152"/>
         <c:scaling>
           <c:orientation val="minMax"/>
           <c:min val="0.4"/>
@@ -1107,7 +1108,7 @@
         <c:majorTickMark val="none"/>
         <c:minorTickMark val="none"/>
         <c:tickLblPos val="nextTo"/>
-        <c:crossAx val="28238592"/>
+        <c:crossAx val="195406848"/>
         <c:crosses val="autoZero"/>
         <c:crossBetween val="between"/>
       </c:valAx>
@@ -23971,6 +23972,126 @@
       </p:grpSpPr>
       <p:sp>
         <p:nvSpPr>
+          <p:cNvPr id="2" name="Title 1"/>
+          <p:cNvSpPr>
+            <a:spLocks noGrp="1"/>
+          </p:cNvSpPr>
+          <p:nvPr>
+            <p:ph type="title"/>
+          </p:nvPr>
+        </p:nvSpPr>
+        <p:spPr/>
+        <p:txBody>
+          <a:bodyPr/>
+          <a:lstStyle/>
+          <a:p>
+            <a:r>
+              <a:rPr lang="en-US" dirty="0" smtClean="0"/>
+              <a:t>Test Document Corpuses</a:t>
+            </a:r>
+            <a:endParaRPr lang="en-US" dirty="0"/>
+          </a:p>
+        </p:txBody>
+      </p:sp>
+      <p:sp>
+        <p:nvSpPr>
+          <p:cNvPr id="3" name="Content Placeholder 2"/>
+          <p:cNvSpPr>
+            <a:spLocks noGrp="1"/>
+          </p:cNvSpPr>
+          <p:nvPr>
+            <p:ph idx="1"/>
+          </p:nvPr>
+        </p:nvSpPr>
+        <p:spPr/>
+        <p:txBody>
+          <a:bodyPr/>
+          <a:lstStyle/>
+          <a:p>
+            <a:r>
+              <a:rPr lang="en-US" sz="2800" dirty="0"/>
+              <a:t>PAN plagiarism detection corpus</a:t>
+            </a:r>
+          </a:p>
+          <a:p>
+            <a:r>
+              <a:rPr lang="en-US" sz="2800" dirty="0"/>
+              <a:t>Student assignments of University of Moratuwa Department of Computer Science &amp; Engineering</a:t>
+            </a:r>
+          </a:p>
+          <a:p>
+            <a:pPr algn="just"/>
+            <a:r>
+              <a:rPr lang="en-US" sz="2800" dirty="0"/>
+              <a:t>A Corpus of </a:t>
+            </a:r>
+            <a:r>
+              <a:rPr lang="en-US" sz="2800" dirty="0" smtClean="0"/>
+              <a:t>Plagiarized </a:t>
+            </a:r>
+            <a:r>
+              <a:rPr lang="en-US" sz="2800" dirty="0"/>
+              <a:t>Short </a:t>
+            </a:r>
+            <a:r>
+              <a:rPr lang="en-US" sz="2800" dirty="0" smtClean="0"/>
+              <a:t>Answers </a:t>
+            </a:r>
+            <a:r>
+              <a:rPr lang="en-US" sz="2800" dirty="0"/>
+              <a:t>Created by Paul Clough (Information Studies) and Mark Stevenson (Computer Science), University of </a:t>
+            </a:r>
+            <a:r>
+              <a:rPr lang="en-US" sz="2800" dirty="0" smtClean="0"/>
+              <a:t>Sheffield</a:t>
+            </a:r>
+            <a:r>
+              <a:rPr lang="en-US" dirty="0" smtClean="0"/>
+              <a:t>.</a:t>
+            </a:r>
+            <a:endParaRPr lang="en-US" dirty="0"/>
+          </a:p>
+        </p:txBody>
+      </p:sp>
+    </p:spTree>
+    <p:extLst>
+      <p:ext uri="{BB962C8B-B14F-4D97-AF65-F5344CB8AC3E}">
+        <p14:creationId xmlns:p14="http://schemas.microsoft.com/office/powerpoint/2010/main" val="3707862571"/>
+      </p:ext>
+    </p:extLst>
+  </p:cSld>
+  <p:clrMapOvr>
+    <a:masterClrMapping/>
+  </p:clrMapOvr>
+  <p:timing>
+    <p:tnLst>
+      <p:par>
+        <p:cTn id="1" dur="indefinite" restart="never" nodeType="tmRoot"/>
+      </p:par>
+    </p:tnLst>
+  </p:timing>
+</p:sld>
+</file>
+
+<file path=ppt/slides/slide38.xml><?xml version="1.0" encoding="utf-8"?>
+<p:sld xmlns:a="http://schemas.openxmlformats.org/drawingml/2006/main" xmlns:r="http://schemas.openxmlformats.org/officeDocument/2006/relationships" xmlns:p="http://schemas.openxmlformats.org/presentationml/2006/main">
+  <p:cSld>
+    <p:spTree>
+      <p:nvGrpSpPr>
+        <p:cNvPr id="1" name=""/>
+        <p:cNvGrpSpPr/>
+        <p:nvPr/>
+      </p:nvGrpSpPr>
+      <p:grpSpPr>
+        <a:xfrm>
+          <a:off x="0" y="0"/>
+          <a:ext cx="0" cy="0"/>
+          <a:chOff x="0" y="0"/>
+          <a:chExt cx="0" cy="0"/>
+        </a:xfrm>
+      </p:grpSpPr>
+      <p:sp>
+        <p:nvSpPr>
           <p:cNvPr id="3" name="Content Placeholder 2"/>
           <p:cNvSpPr>
             <a:spLocks noGrp="1"/>
@@ -24045,7 +24166,7 @@
 </p:sld>
 </file>
 
-<file path=ppt/slides/slide38.xml><?xml version="1.0" encoding="utf-8"?>
+<file path=ppt/slides/slide39.xml><?xml version="1.0" encoding="utf-8"?>
 <p:sld xmlns:a="http://schemas.openxmlformats.org/drawingml/2006/main" xmlns:r="http://schemas.openxmlformats.org/officeDocument/2006/relationships" xmlns:p="http://schemas.openxmlformats.org/presentationml/2006/main">
   <p:cSld>
     <p:spTree>

--- a/trunk/project docs/Final Presentation.pptx
+++ b/trunk/project docs/Final Presentation.pptx
@@ -20998,9 +20998,23 @@
             <a:endParaRPr lang="en-US" sz="3100" dirty="0" smtClean="0"/>
           </a:p>
           <a:p>
-            <a:r>
-              <a:rPr lang="en-US" sz="11200" dirty="0"/>
-              <a:t>Textual Comparison Algorithms</a:t>
+            <a:pPr marL="0" indent="0">
+              <a:buNone/>
+            </a:pPr>
+            <a:r>
+              <a:rPr lang="en-US" sz="9600" b="1" dirty="0" smtClean="0"/>
+              <a:t>Copy - Paste Detection</a:t>
+            </a:r>
+            <a:endParaRPr lang="en-US" sz="11200" dirty="0" smtClean="0"/>
+          </a:p>
+          <a:p>
+            <a:r>
+              <a:rPr lang="en-US" sz="9600" dirty="0" smtClean="0"/>
+              <a:t>Textual </a:t>
+            </a:r>
+            <a:r>
+              <a:rPr lang="en-US" sz="9600" dirty="0"/>
+              <a:t>Comparison Algorithms</a:t>
             </a:r>
           </a:p>
           <a:p>
@@ -21010,7 +21024,7 @@
               </a:lnSpc>
             </a:pPr>
             <a:r>
-              <a:rPr lang="en-US" sz="11200" dirty="0"/>
+              <a:rPr lang="en-US" sz="9600" dirty="0"/>
               <a:t>Cosine Similarity</a:t>
             </a:r>
           </a:p>
@@ -21021,7 +21035,7 @@
               </a:lnSpc>
             </a:pPr>
             <a:r>
-              <a:rPr lang="en-US" sz="11200" dirty="0"/>
+              <a:rPr lang="en-US" sz="9600" dirty="0"/>
               <a:t>Euclidean Distance</a:t>
             </a:r>
           </a:p>
@@ -21032,7 +21046,7 @@
               </a:lnSpc>
             </a:pPr>
             <a:r>
-              <a:rPr lang="en-US" sz="11200" dirty="0"/>
+              <a:rPr lang="en-US" sz="9600" dirty="0"/>
               <a:t>Greedy String Tiling</a:t>
             </a:r>
           </a:p>
@@ -21043,7 +21057,7 @@
               </a:lnSpc>
             </a:pPr>
             <a:r>
-              <a:rPr lang="en-US" sz="11200" dirty="0"/>
+              <a:rPr lang="en-US" sz="9600" dirty="0"/>
               <a:t>ShingleCloud </a:t>
             </a:r>
           </a:p>

--- a/trunk/project docs/Final Presentation.pptx
+++ b/trunk/project docs/Final Presentation.pptx
@@ -4,6 +4,9 @@
   <p:sldMasterIdLst>
     <p:sldMasterId id="2147484200" r:id="rId1"/>
   </p:sldMasterIdLst>
+  <p:notesMasterIdLst>
+    <p:notesMasterId r:id="rId42"/>
+  </p:notesMasterIdLst>
   <p:sldIdLst>
     <p:sldId id="256" r:id="rId2"/>
     <p:sldId id="258" r:id="rId3"/>
@@ -14,36 +17,37 @@
     <p:sldId id="318" r:id="rId8"/>
     <p:sldId id="319" r:id="rId9"/>
     <p:sldId id="320" r:id="rId10"/>
-    <p:sldId id="287" r:id="rId11"/>
-    <p:sldId id="321" r:id="rId12"/>
-    <p:sldId id="322" r:id="rId13"/>
-    <p:sldId id="323" r:id="rId14"/>
-    <p:sldId id="262" r:id="rId15"/>
-    <p:sldId id="289" r:id="rId16"/>
-    <p:sldId id="295" r:id="rId17"/>
-    <p:sldId id="290" r:id="rId18"/>
-    <p:sldId id="299" r:id="rId19"/>
-    <p:sldId id="296" r:id="rId20"/>
-    <p:sldId id="297" r:id="rId21"/>
-    <p:sldId id="292" r:id="rId22"/>
-    <p:sldId id="307" r:id="rId23"/>
-    <p:sldId id="308" r:id="rId24"/>
-    <p:sldId id="293" r:id="rId25"/>
-    <p:sldId id="309" r:id="rId26"/>
-    <p:sldId id="310" r:id="rId27"/>
-    <p:sldId id="311" r:id="rId28"/>
-    <p:sldId id="312" r:id="rId29"/>
-    <p:sldId id="300" r:id="rId30"/>
-    <p:sldId id="301" r:id="rId31"/>
-    <p:sldId id="302" r:id="rId32"/>
-    <p:sldId id="313" r:id="rId33"/>
-    <p:sldId id="314" r:id="rId34"/>
-    <p:sldId id="294" r:id="rId35"/>
-    <p:sldId id="277" r:id="rId36"/>
-    <p:sldId id="315" r:id="rId37"/>
-    <p:sldId id="324" r:id="rId38"/>
-    <p:sldId id="269" r:id="rId39"/>
-    <p:sldId id="270" r:id="rId40"/>
+    <p:sldId id="325" r:id="rId11"/>
+    <p:sldId id="287" r:id="rId12"/>
+    <p:sldId id="321" r:id="rId13"/>
+    <p:sldId id="322" r:id="rId14"/>
+    <p:sldId id="323" r:id="rId15"/>
+    <p:sldId id="262" r:id="rId16"/>
+    <p:sldId id="289" r:id="rId17"/>
+    <p:sldId id="295" r:id="rId18"/>
+    <p:sldId id="290" r:id="rId19"/>
+    <p:sldId id="299" r:id="rId20"/>
+    <p:sldId id="296" r:id="rId21"/>
+    <p:sldId id="297" r:id="rId22"/>
+    <p:sldId id="292" r:id="rId23"/>
+    <p:sldId id="307" r:id="rId24"/>
+    <p:sldId id="308" r:id="rId25"/>
+    <p:sldId id="293" r:id="rId26"/>
+    <p:sldId id="309" r:id="rId27"/>
+    <p:sldId id="310" r:id="rId28"/>
+    <p:sldId id="311" r:id="rId29"/>
+    <p:sldId id="312" r:id="rId30"/>
+    <p:sldId id="300" r:id="rId31"/>
+    <p:sldId id="301" r:id="rId32"/>
+    <p:sldId id="302" r:id="rId33"/>
+    <p:sldId id="313" r:id="rId34"/>
+    <p:sldId id="314" r:id="rId35"/>
+    <p:sldId id="294" r:id="rId36"/>
+    <p:sldId id="277" r:id="rId37"/>
+    <p:sldId id="315" r:id="rId38"/>
+    <p:sldId id="324" r:id="rId39"/>
+    <p:sldId id="269" r:id="rId40"/>
+    <p:sldId id="270" r:id="rId41"/>
   </p:sldIdLst>
   <p:sldSz cx="9144000" cy="6858000" type="screen4x3"/>
   <p:notesSz cx="6858000" cy="9144000"/>
@@ -169,14 +173,14 @@
               <a:defRPr/>
             </a:pPr>
             <a:r>
-              <a:rPr lang="en-US"/>
-              <a:t>Time</a:t>
-            </a:r>
-            <a:r>
-              <a:rPr lang="en-US" baseline="0"/>
-              <a:t> Complexity</a:t>
-            </a:r>
-            <a:endParaRPr lang="en-US"/>
+              <a:rPr lang="en-US" sz="1800" b="1" i="0" baseline="0" dirty="0" smtClean="0">
+                <a:effectLst/>
+              </a:rPr>
+              <a:t>Time Taken to Access WordNet</a:t>
+            </a:r>
+            <a:endParaRPr lang="en-US" dirty="0">
+              <a:effectLst/>
+            </a:endParaRPr>
           </a:p>
         </c:rich>
       </c:tx>
@@ -184,8 +188,8 @@
         <c:manualLayout>
           <c:xMode val="edge"/>
           <c:yMode val="edge"/>
-          <c:x val="0.35512927263402438"/>
-          <c:y val="2.0833333333333353E-2"/>
+          <c:x val="0.20761969408996289"/>
+          <c:y val="2.0833333333333332E-2"/>
         </c:manualLayout>
       </c:layout>
       <c:overlay val="1"/>
@@ -404,11 +408,11 @@
         </c:dLbls>
         <c:marker val="1"/>
         <c:smooth val="0"/>
-        <c:axId val="107797504"/>
-        <c:axId val="107906176"/>
+        <c:axId val="84082048"/>
+        <c:axId val="25064960"/>
       </c:lineChart>
       <c:catAx>
-        <c:axId val="107797504"/>
+        <c:axId val="84082048"/>
         <c:scaling>
           <c:orientation val="minMax"/>
         </c:scaling>
@@ -442,7 +446,7 @@
         <c:majorTickMark val="out"/>
         <c:minorTickMark val="none"/>
         <c:tickLblPos val="nextTo"/>
-        <c:crossAx val="107906176"/>
+        <c:crossAx val="25064960"/>
         <c:crosses val="autoZero"/>
         <c:auto val="1"/>
         <c:lblAlgn val="ctr"/>
@@ -450,7 +454,7 @@
         <c:noMultiLvlLbl val="0"/>
       </c:catAx>
       <c:valAx>
-        <c:axId val="107906176"/>
+        <c:axId val="25064960"/>
         <c:scaling>
           <c:orientation val="minMax"/>
         </c:scaling>
@@ -480,7 +484,7 @@
         <c:majorTickMark val="out"/>
         <c:minorTickMark val="none"/>
         <c:tickLblPos val="nextTo"/>
-        <c:crossAx val="107797504"/>
+        <c:crossAx val="84082048"/>
         <c:crosses val="autoZero"/>
         <c:crossBetween val="midCat"/>
       </c:valAx>
@@ -619,11 +623,11 @@
         </c:dLbls>
         <c:gapWidth val="150"/>
         <c:overlap val="100"/>
-        <c:axId val="107924096"/>
-        <c:axId val="107934080"/>
+        <c:axId val="25078784"/>
+        <c:axId val="25772800"/>
       </c:barChart>
       <c:catAx>
-        <c:axId val="107924096"/>
+        <c:axId val="25078784"/>
         <c:scaling>
           <c:orientation val="minMax"/>
         </c:scaling>
@@ -632,7 +636,7 @@
         <c:majorTickMark val="out"/>
         <c:minorTickMark val="none"/>
         <c:tickLblPos val="nextTo"/>
-        <c:crossAx val="107934080"/>
+        <c:crossAx val="25772800"/>
         <c:crosses val="autoZero"/>
         <c:auto val="1"/>
         <c:lblAlgn val="ctr"/>
@@ -640,7 +644,7 @@
         <c:noMultiLvlLbl val="0"/>
       </c:catAx>
       <c:valAx>
-        <c:axId val="107934080"/>
+        <c:axId val="25772800"/>
         <c:scaling>
           <c:orientation val="minMax"/>
         </c:scaling>
@@ -670,7 +674,7 @@
         <c:majorTickMark val="out"/>
         <c:minorTickMark val="none"/>
         <c:tickLblPos val="nextTo"/>
-        <c:crossAx val="107924096"/>
+        <c:crossAx val="25078784"/>
         <c:crosses val="autoZero"/>
         <c:crossBetween val="between"/>
       </c:valAx>
@@ -824,11 +828,11 @@
         </c:dLbls>
         <c:marker val="1"/>
         <c:smooth val="0"/>
-        <c:axId val="194989440"/>
-        <c:axId val="195380736"/>
+        <c:axId val="107200512"/>
+        <c:axId val="107202432"/>
       </c:lineChart>
       <c:catAx>
-        <c:axId val="194989440"/>
+        <c:axId val="107200512"/>
         <c:scaling>
           <c:orientation val="minMax"/>
         </c:scaling>
@@ -857,7 +861,7 @@
         <c:majorTickMark val="out"/>
         <c:minorTickMark val="none"/>
         <c:tickLblPos val="nextTo"/>
-        <c:crossAx val="195380736"/>
+        <c:crossAx val="107202432"/>
         <c:crosses val="autoZero"/>
         <c:auto val="1"/>
         <c:lblAlgn val="ctr"/>
@@ -865,7 +869,7 @@
         <c:noMultiLvlLbl val="0"/>
       </c:catAx>
       <c:valAx>
-        <c:axId val="195380736"/>
+        <c:axId val="107202432"/>
         <c:scaling>
           <c:orientation val="minMax"/>
           <c:max val="0.82000000000000017"/>
@@ -896,7 +900,7 @@
         <c:majorTickMark val="out"/>
         <c:minorTickMark val="none"/>
         <c:tickLblPos val="nextTo"/>
-        <c:crossAx val="194989440"/>
+        <c:crossAx val="107200512"/>
         <c:crosses val="autoZero"/>
         <c:crossBetween val="between"/>
       </c:valAx>
@@ -1030,11 +1034,11 @@
         </c:dLbls>
         <c:marker val="1"/>
         <c:smooth val="0"/>
-        <c:axId val="195406848"/>
-        <c:axId val="195585152"/>
+        <c:axId val="22515072"/>
+        <c:axId val="22525440"/>
       </c:lineChart>
       <c:catAx>
-        <c:axId val="195406848"/>
+        <c:axId val="22515072"/>
         <c:scaling>
           <c:orientation val="minMax"/>
         </c:scaling>
@@ -1068,7 +1072,7 @@
         <c:majorTickMark val="none"/>
         <c:minorTickMark val="none"/>
         <c:tickLblPos val="nextTo"/>
-        <c:crossAx val="195585152"/>
+        <c:crossAx val="22525440"/>
         <c:crosses val="autoZero"/>
         <c:auto val="1"/>
         <c:lblAlgn val="ctr"/>
@@ -1076,7 +1080,7 @@
         <c:noMultiLvlLbl val="0"/>
       </c:catAx>
       <c:valAx>
-        <c:axId val="195585152"/>
+        <c:axId val="22525440"/>
         <c:scaling>
           <c:orientation val="minMax"/>
           <c:min val="0.4"/>
@@ -1108,7 +1112,7 @@
         <c:majorTickMark val="none"/>
         <c:minorTickMark val="none"/>
         <c:tickLblPos val="nextTo"/>
-        <c:crossAx val="195406848"/>
+        <c:crossAx val="22515072"/>
         <c:crosses val="autoZero"/>
         <c:crossBetween val="between"/>
       </c:valAx>
@@ -1121,6 +1125,440 @@
     <c:autoUpdate val="0"/>
   </c:externalData>
 </c:chartSpace>
+</file>
+
+<file path=ppt/notesMasters/notesMaster1.xml><?xml version="1.0" encoding="utf-8"?>
+<p:notesMaster xmlns:a="http://schemas.openxmlformats.org/drawingml/2006/main" xmlns:r="http://schemas.openxmlformats.org/officeDocument/2006/relationships" xmlns:p="http://schemas.openxmlformats.org/presentationml/2006/main">
+  <p:cSld>
+    <p:bg>
+      <p:bgRef idx="1001">
+        <a:schemeClr val="bg1"/>
+      </p:bgRef>
+    </p:bg>
+    <p:spTree>
+      <p:nvGrpSpPr>
+        <p:cNvPr id="1" name=""/>
+        <p:cNvGrpSpPr/>
+        <p:nvPr/>
+      </p:nvGrpSpPr>
+      <p:grpSpPr>
+        <a:xfrm>
+          <a:off x="0" y="0"/>
+          <a:ext cx="0" cy="0"/>
+          <a:chOff x="0" y="0"/>
+          <a:chExt cx="0" cy="0"/>
+        </a:xfrm>
+      </p:grpSpPr>
+      <p:sp>
+        <p:nvSpPr>
+          <p:cNvPr id="2" name="Header Placeholder 1"/>
+          <p:cNvSpPr>
+            <a:spLocks noGrp="1"/>
+          </p:cNvSpPr>
+          <p:nvPr>
+            <p:ph type="hdr" sz="quarter"/>
+          </p:nvPr>
+        </p:nvSpPr>
+        <p:spPr>
+          <a:xfrm>
+            <a:off x="0" y="0"/>
+            <a:ext cx="2971800" cy="457200"/>
+          </a:xfrm>
+          <a:prstGeom prst="rect">
+            <a:avLst/>
+          </a:prstGeom>
+        </p:spPr>
+        <p:txBody>
+          <a:bodyPr vert="horz" lIns="91440" tIns="45720" rIns="91440" bIns="45720" rtlCol="0"/>
+          <a:lstStyle>
+            <a:lvl1pPr algn="l">
+              <a:defRPr sz="1200"/>
+            </a:lvl1pPr>
+          </a:lstStyle>
+          <a:p>
+            <a:endParaRPr lang="en-US"/>
+          </a:p>
+        </p:txBody>
+      </p:sp>
+      <p:sp>
+        <p:nvSpPr>
+          <p:cNvPr id="3" name="Date Placeholder 2"/>
+          <p:cNvSpPr>
+            <a:spLocks noGrp="1"/>
+          </p:cNvSpPr>
+          <p:nvPr>
+            <p:ph type="dt" idx="1"/>
+          </p:nvPr>
+        </p:nvSpPr>
+        <p:spPr>
+          <a:xfrm>
+            <a:off x="3884613" y="0"/>
+            <a:ext cx="2971800" cy="457200"/>
+          </a:xfrm>
+          <a:prstGeom prst="rect">
+            <a:avLst/>
+          </a:prstGeom>
+        </p:spPr>
+        <p:txBody>
+          <a:bodyPr vert="horz" lIns="91440" tIns="45720" rIns="91440" bIns="45720" rtlCol="0"/>
+          <a:lstStyle>
+            <a:lvl1pPr algn="r">
+              <a:defRPr sz="1200"/>
+            </a:lvl1pPr>
+          </a:lstStyle>
+          <a:p>
+            <a:fld id="{34CA3539-E226-4986-9BDB-93F5E14B00AC}" type="datetimeFigureOut">
+              <a:rPr lang="en-US" smtClean="0"/>
+              <a:t>9/7/2011</a:t>
+            </a:fld>
+            <a:endParaRPr lang="en-US"/>
+          </a:p>
+        </p:txBody>
+      </p:sp>
+      <p:sp>
+        <p:nvSpPr>
+          <p:cNvPr id="4" name="Slide Image Placeholder 3"/>
+          <p:cNvSpPr>
+            <a:spLocks noGrp="1" noRot="1" noChangeAspect="1"/>
+          </p:cNvSpPr>
+          <p:nvPr>
+            <p:ph type="sldImg" idx="2"/>
+          </p:nvPr>
+        </p:nvSpPr>
+        <p:spPr>
+          <a:xfrm>
+            <a:off x="1143000" y="685800"/>
+            <a:ext cx="4572000" cy="3429000"/>
+          </a:xfrm>
+          <a:prstGeom prst="rect">
+            <a:avLst/>
+          </a:prstGeom>
+          <a:noFill/>
+          <a:ln w="12700">
+            <a:solidFill>
+              <a:prstClr val="black"/>
+            </a:solidFill>
+          </a:ln>
+        </p:spPr>
+        <p:txBody>
+          <a:bodyPr vert="horz" lIns="91440" tIns="45720" rIns="91440" bIns="45720" rtlCol="0" anchor="ctr"/>
+          <a:lstStyle/>
+          <a:p>
+            <a:endParaRPr lang="en-US"/>
+          </a:p>
+        </p:txBody>
+      </p:sp>
+      <p:sp>
+        <p:nvSpPr>
+          <p:cNvPr id="5" name="Notes Placeholder 4"/>
+          <p:cNvSpPr>
+            <a:spLocks noGrp="1"/>
+          </p:cNvSpPr>
+          <p:nvPr>
+            <p:ph type="body" sz="quarter" idx="3"/>
+          </p:nvPr>
+        </p:nvSpPr>
+        <p:spPr>
+          <a:xfrm>
+            <a:off x="685800" y="4343400"/>
+            <a:ext cx="5486400" cy="4114800"/>
+          </a:xfrm>
+          <a:prstGeom prst="rect">
+            <a:avLst/>
+          </a:prstGeom>
+        </p:spPr>
+        <p:txBody>
+          <a:bodyPr vert="horz" lIns="91440" tIns="45720" rIns="91440" bIns="45720" rtlCol="0"/>
+          <a:lstStyle/>
+          <a:p>
+            <a:pPr lvl="0"/>
+            <a:r>
+              <a:rPr lang="en-US" smtClean="0"/>
+              <a:t>Click to edit Master text styles</a:t>
+            </a:r>
+          </a:p>
+          <a:p>
+            <a:pPr lvl="1"/>
+            <a:r>
+              <a:rPr lang="en-US" smtClean="0"/>
+              <a:t>Second level</a:t>
+            </a:r>
+          </a:p>
+          <a:p>
+            <a:pPr lvl="2"/>
+            <a:r>
+              <a:rPr lang="en-US" smtClean="0"/>
+              <a:t>Third level</a:t>
+            </a:r>
+          </a:p>
+          <a:p>
+            <a:pPr lvl="3"/>
+            <a:r>
+              <a:rPr lang="en-US" smtClean="0"/>
+              <a:t>Fourth level</a:t>
+            </a:r>
+          </a:p>
+          <a:p>
+            <a:pPr lvl="4"/>
+            <a:r>
+              <a:rPr lang="en-US" smtClean="0"/>
+              <a:t>Fifth level</a:t>
+            </a:r>
+            <a:endParaRPr lang="en-US"/>
+          </a:p>
+        </p:txBody>
+      </p:sp>
+      <p:sp>
+        <p:nvSpPr>
+          <p:cNvPr id="6" name="Footer Placeholder 5"/>
+          <p:cNvSpPr>
+            <a:spLocks noGrp="1"/>
+          </p:cNvSpPr>
+          <p:nvPr>
+            <p:ph type="ftr" sz="quarter" idx="4"/>
+          </p:nvPr>
+        </p:nvSpPr>
+        <p:spPr>
+          <a:xfrm>
+            <a:off x="0" y="8685213"/>
+            <a:ext cx="2971800" cy="457200"/>
+          </a:xfrm>
+          <a:prstGeom prst="rect">
+            <a:avLst/>
+          </a:prstGeom>
+        </p:spPr>
+        <p:txBody>
+          <a:bodyPr vert="horz" lIns="91440" tIns="45720" rIns="91440" bIns="45720" rtlCol="0" anchor="b"/>
+          <a:lstStyle>
+            <a:lvl1pPr algn="l">
+              <a:defRPr sz="1200"/>
+            </a:lvl1pPr>
+          </a:lstStyle>
+          <a:p>
+            <a:endParaRPr lang="en-US"/>
+          </a:p>
+        </p:txBody>
+      </p:sp>
+      <p:sp>
+        <p:nvSpPr>
+          <p:cNvPr id="7" name="Slide Number Placeholder 6"/>
+          <p:cNvSpPr>
+            <a:spLocks noGrp="1"/>
+          </p:cNvSpPr>
+          <p:nvPr>
+            <p:ph type="sldNum" sz="quarter" idx="5"/>
+          </p:nvPr>
+        </p:nvSpPr>
+        <p:spPr>
+          <a:xfrm>
+            <a:off x="3884613" y="8685213"/>
+            <a:ext cx="2971800" cy="457200"/>
+          </a:xfrm>
+          <a:prstGeom prst="rect">
+            <a:avLst/>
+          </a:prstGeom>
+        </p:spPr>
+        <p:txBody>
+          <a:bodyPr vert="horz" lIns="91440" tIns="45720" rIns="91440" bIns="45720" rtlCol="0" anchor="b"/>
+          <a:lstStyle>
+            <a:lvl1pPr algn="r">
+              <a:defRPr sz="1200"/>
+            </a:lvl1pPr>
+          </a:lstStyle>
+          <a:p>
+            <a:fld id="{2D126FDF-A6AD-41D8-8D6F-FE5D543105EF}" type="slidenum">
+              <a:rPr lang="en-US" smtClean="0"/>
+              <a:t>‹#›</a:t>
+            </a:fld>
+            <a:endParaRPr lang="en-US"/>
+          </a:p>
+        </p:txBody>
+      </p:sp>
+    </p:spTree>
+    <p:extLst>
+      <p:ext uri="{BB962C8B-B14F-4D97-AF65-F5344CB8AC3E}">
+        <p14:creationId xmlns:p14="http://schemas.microsoft.com/office/powerpoint/2010/main" val="1392143663"/>
+      </p:ext>
+    </p:extLst>
+  </p:cSld>
+  <p:clrMap bg1="lt1" tx1="dk1" bg2="lt2" tx2="dk2" accent1="accent1" accent2="accent2" accent3="accent3" accent4="accent4" accent5="accent5" accent6="accent6" hlink="hlink" folHlink="folHlink"/>
+  <p:notesStyle>
+    <a:lvl1pPr marL="0" algn="l" defTabSz="914400" rtl="0" eaLnBrk="1" latinLnBrk="0" hangingPunct="1">
+      <a:defRPr sz="1200" kern="1200">
+        <a:solidFill>
+          <a:schemeClr val="tx1"/>
+        </a:solidFill>
+        <a:latin typeface="+mn-lt"/>
+        <a:ea typeface="+mn-ea"/>
+        <a:cs typeface="+mn-cs"/>
+      </a:defRPr>
+    </a:lvl1pPr>
+    <a:lvl2pPr marL="457200" algn="l" defTabSz="914400" rtl="0" eaLnBrk="1" latinLnBrk="0" hangingPunct="1">
+      <a:defRPr sz="1200" kern="1200">
+        <a:solidFill>
+          <a:schemeClr val="tx1"/>
+        </a:solidFill>
+        <a:latin typeface="+mn-lt"/>
+        <a:ea typeface="+mn-ea"/>
+        <a:cs typeface="+mn-cs"/>
+      </a:defRPr>
+    </a:lvl2pPr>
+    <a:lvl3pPr marL="914400" algn="l" defTabSz="914400" rtl="0" eaLnBrk="1" latinLnBrk="0" hangingPunct="1">
+      <a:defRPr sz="1200" kern="1200">
+        <a:solidFill>
+          <a:schemeClr val="tx1"/>
+        </a:solidFill>
+        <a:latin typeface="+mn-lt"/>
+        <a:ea typeface="+mn-ea"/>
+        <a:cs typeface="+mn-cs"/>
+      </a:defRPr>
+    </a:lvl3pPr>
+    <a:lvl4pPr marL="1371600" algn="l" defTabSz="914400" rtl="0" eaLnBrk="1" latinLnBrk="0" hangingPunct="1">
+      <a:defRPr sz="1200" kern="1200">
+        <a:solidFill>
+          <a:schemeClr val="tx1"/>
+        </a:solidFill>
+        <a:latin typeface="+mn-lt"/>
+        <a:ea typeface="+mn-ea"/>
+        <a:cs typeface="+mn-cs"/>
+      </a:defRPr>
+    </a:lvl4pPr>
+    <a:lvl5pPr marL="1828800" algn="l" defTabSz="914400" rtl="0" eaLnBrk="1" latinLnBrk="0" hangingPunct="1">
+      <a:defRPr sz="1200" kern="1200">
+        <a:solidFill>
+          <a:schemeClr val="tx1"/>
+        </a:solidFill>
+        <a:latin typeface="+mn-lt"/>
+        <a:ea typeface="+mn-ea"/>
+        <a:cs typeface="+mn-cs"/>
+      </a:defRPr>
+    </a:lvl5pPr>
+    <a:lvl6pPr marL="2286000" algn="l" defTabSz="914400" rtl="0" eaLnBrk="1" latinLnBrk="0" hangingPunct="1">
+      <a:defRPr sz="1200" kern="1200">
+        <a:solidFill>
+          <a:schemeClr val="tx1"/>
+        </a:solidFill>
+        <a:latin typeface="+mn-lt"/>
+        <a:ea typeface="+mn-ea"/>
+        <a:cs typeface="+mn-cs"/>
+      </a:defRPr>
+    </a:lvl6pPr>
+    <a:lvl7pPr marL="2743200" algn="l" defTabSz="914400" rtl="0" eaLnBrk="1" latinLnBrk="0" hangingPunct="1">
+      <a:defRPr sz="1200" kern="1200">
+        <a:solidFill>
+          <a:schemeClr val="tx1"/>
+        </a:solidFill>
+        <a:latin typeface="+mn-lt"/>
+        <a:ea typeface="+mn-ea"/>
+        <a:cs typeface="+mn-cs"/>
+      </a:defRPr>
+    </a:lvl7pPr>
+    <a:lvl8pPr marL="3200400" algn="l" defTabSz="914400" rtl="0" eaLnBrk="1" latinLnBrk="0" hangingPunct="1">
+      <a:defRPr sz="1200" kern="1200">
+        <a:solidFill>
+          <a:schemeClr val="tx1"/>
+        </a:solidFill>
+        <a:latin typeface="+mn-lt"/>
+        <a:ea typeface="+mn-ea"/>
+        <a:cs typeface="+mn-cs"/>
+      </a:defRPr>
+    </a:lvl8pPr>
+    <a:lvl9pPr marL="3657600" algn="l" defTabSz="914400" rtl="0" eaLnBrk="1" latinLnBrk="0" hangingPunct="1">
+      <a:defRPr sz="1200" kern="1200">
+        <a:solidFill>
+          <a:schemeClr val="tx1"/>
+        </a:solidFill>
+        <a:latin typeface="+mn-lt"/>
+        <a:ea typeface="+mn-ea"/>
+        <a:cs typeface="+mn-cs"/>
+      </a:defRPr>
+    </a:lvl9pPr>
+  </p:notesStyle>
+</p:notesMaster>
+</file>
+
+<file path=ppt/notesSlides/notesSlide1.xml><?xml version="1.0" encoding="utf-8"?>
+<p:notes xmlns:a="http://schemas.openxmlformats.org/drawingml/2006/main" xmlns:r="http://schemas.openxmlformats.org/officeDocument/2006/relationships" xmlns:p="http://schemas.openxmlformats.org/presentationml/2006/main">
+  <p:cSld>
+    <p:spTree>
+      <p:nvGrpSpPr>
+        <p:cNvPr id="1" name=""/>
+        <p:cNvGrpSpPr/>
+        <p:nvPr/>
+      </p:nvGrpSpPr>
+      <p:grpSpPr>
+        <a:xfrm>
+          <a:off x="0" y="0"/>
+          <a:ext cx="0" cy="0"/>
+          <a:chOff x="0" y="0"/>
+          <a:chExt cx="0" cy="0"/>
+        </a:xfrm>
+      </p:grpSpPr>
+      <p:sp>
+        <p:nvSpPr>
+          <p:cNvPr id="2" name="Slide Image Placeholder 1"/>
+          <p:cNvSpPr>
+            <a:spLocks noGrp="1" noRot="1" noChangeAspect="1"/>
+          </p:cNvSpPr>
+          <p:nvPr>
+            <p:ph type="sldImg"/>
+          </p:nvPr>
+        </p:nvSpPr>
+        <p:spPr/>
+      </p:sp>
+      <p:sp>
+        <p:nvSpPr>
+          <p:cNvPr id="3" name="Notes Placeholder 2"/>
+          <p:cNvSpPr>
+            <a:spLocks noGrp="1"/>
+          </p:cNvSpPr>
+          <p:nvPr>
+            <p:ph type="body" idx="1"/>
+          </p:nvPr>
+        </p:nvSpPr>
+        <p:spPr/>
+        <p:txBody>
+          <a:bodyPr/>
+          <a:lstStyle/>
+          <a:p>
+            <a:endParaRPr lang="en-US" dirty="0"/>
+          </a:p>
+        </p:txBody>
+      </p:sp>
+      <p:sp>
+        <p:nvSpPr>
+          <p:cNvPr id="4" name="Slide Number Placeholder 3"/>
+          <p:cNvSpPr>
+            <a:spLocks noGrp="1"/>
+          </p:cNvSpPr>
+          <p:nvPr>
+            <p:ph type="sldNum" sz="quarter" idx="10"/>
+          </p:nvPr>
+        </p:nvSpPr>
+        <p:spPr/>
+        <p:txBody>
+          <a:bodyPr/>
+          <a:lstStyle/>
+          <a:p>
+            <a:fld id="{2D126FDF-A6AD-41D8-8D6F-FE5D543105EF}" type="slidenum">
+              <a:rPr lang="en-US" smtClean="0"/>
+              <a:t>5</a:t>
+            </a:fld>
+            <a:endParaRPr lang="en-US"/>
+          </a:p>
+        </p:txBody>
+      </p:sp>
+    </p:spTree>
+    <p:extLst>
+      <p:ext uri="{BB962C8B-B14F-4D97-AF65-F5344CB8AC3E}">
+        <p14:creationId xmlns:p14="http://schemas.microsoft.com/office/powerpoint/2010/main" val="3555221523"/>
+      </p:ext>
+    </p:extLst>
+  </p:cSld>
+  <p:clrMapOvr>
+    <a:masterClrMapping/>
+  </p:clrMapOvr>
+</p:notes>
 </file>
 
 <file path=ppt/slideLayouts/slideLayout1.xml><?xml version="1.0" encoding="utf-8"?>
@@ -5444,14 +5882,227 @@
             <a:pPr algn="just"/>
             <a:r>
               <a:rPr lang="en-US" sz="3200" dirty="0" smtClean="0"/>
-              <a:t>Rich user experience.</a:t>
+              <a:t>Rich user experience</a:t>
+            </a:r>
+            <a:r>
+              <a:rPr lang="en-US" sz="3200" dirty="0" smtClean="0"/>
+              <a:t>.</a:t>
             </a:r>
           </a:p>
           <a:p>
             <a:pPr algn="just"/>
+            <a:endParaRPr lang="en-US" sz="3200" dirty="0" smtClean="0"/>
+          </a:p>
+          <a:p>
+            <a:pPr algn="just"/>
+            <a:endParaRPr lang="en-US" sz="3200" dirty="0" smtClean="0"/>
+          </a:p>
+        </p:txBody>
+      </p:sp>
+      <p:pic>
+        <p:nvPicPr>
+          <p:cNvPr id="2052" name="Picture 4" descr="D:\Project\Codes\Development\UI\src\Images\reportingimage1.png"/>
+          <p:cNvPicPr>
+            <a:picLocks noChangeAspect="1" noChangeArrowheads="1"/>
+          </p:cNvPicPr>
+          <p:nvPr/>
+        </p:nvPicPr>
+        <p:blipFill>
+          <a:blip r:embed="rId2">
+            <a:extLst>
+              <a:ext uri="{28A0092B-C50C-407E-A947-70E740481C1C}">
+                <a14:useLocalDpi xmlns:a14="http://schemas.microsoft.com/office/drawing/2010/main" val="0"/>
+              </a:ext>
+            </a:extLst>
+          </a:blip>
+          <a:srcRect/>
+          <a:stretch>
+            <a:fillRect/>
+          </a:stretch>
+        </p:blipFill>
+        <p:spPr bwMode="auto">
+          <a:xfrm>
+            <a:off x="685800" y="2590800"/>
+            <a:ext cx="8077200" cy="3352800"/>
+          </a:xfrm>
+          <a:prstGeom prst="rect">
+            <a:avLst/>
+          </a:prstGeom>
+          <a:noFill/>
+          <a:extLst>
+            <a:ext uri="{909E8E84-426E-40DD-AFC4-6F175D3DCCD1}">
+              <a14:hiddenFill xmlns:a14="http://schemas.microsoft.com/office/drawing/2010/main">
+                <a:solidFill>
+                  <a:srgbClr val="FFFFFF"/>
+                </a:solidFill>
+              </a14:hiddenFill>
+            </a:ext>
+          </a:extLst>
+        </p:spPr>
+      </p:pic>
+    </p:spTree>
+    <p:extLst>
+      <p:ext uri="{BB962C8B-B14F-4D97-AF65-F5344CB8AC3E}">
+        <p14:creationId xmlns:p14="http://schemas.microsoft.com/office/powerpoint/2010/main" val="2730993064"/>
+      </p:ext>
+    </p:extLst>
+  </p:cSld>
+  <p:clrMapOvr>
+    <a:masterClrMapping/>
+  </p:clrMapOvr>
+  <p:timing>
+    <p:tnLst>
+      <p:par>
+        <p:cTn id="1" dur="indefinite" restart="never" nodeType="tmRoot">
+          <p:childTnLst>
+            <p:seq concurrent="1" nextAc="seek">
+              <p:cTn id="2" dur="indefinite" nodeType="mainSeq">
+                <p:childTnLst>
+                  <p:par>
+                    <p:cTn id="3" fill="hold">
+                      <p:stCondLst>
+                        <p:cond delay="indefinite"/>
+                        <p:cond evt="onBegin" delay="0">
+                          <p:tn val="2"/>
+                        </p:cond>
+                      </p:stCondLst>
+                      <p:childTnLst>
+                        <p:par>
+                          <p:cTn id="4" fill="hold">
+                            <p:stCondLst>
+                              <p:cond delay="0"/>
+                            </p:stCondLst>
+                            <p:childTnLst>
+                              <p:par>
+                                <p:cTn id="5" presetID="16" presetClass="entr" presetSubtype="21" fill="hold" nodeType="withEffect">
+                                  <p:stCondLst>
+                                    <p:cond delay="0"/>
+                                  </p:stCondLst>
+                                  <p:childTnLst>
+                                    <p:set>
+                                      <p:cBhvr>
+                                        <p:cTn id="6" dur="1" fill="hold">
+                                          <p:stCondLst>
+                                            <p:cond delay="0"/>
+                                          </p:stCondLst>
+                                        </p:cTn>
+                                        <p:tgtEl>
+                                          <p:spTgt spid="2052"/>
+                                        </p:tgtEl>
+                                        <p:attrNameLst>
+                                          <p:attrName>style.visibility</p:attrName>
+                                        </p:attrNameLst>
+                                      </p:cBhvr>
+                                      <p:to>
+                                        <p:strVal val="visible"/>
+                                      </p:to>
+                                    </p:set>
+                                    <p:animEffect transition="in" filter="barn(inVertical)">
+                                      <p:cBhvr>
+                                        <p:cTn id="7" dur="500"/>
+                                        <p:tgtEl>
+                                          <p:spTgt spid="2052"/>
+                                        </p:tgtEl>
+                                      </p:cBhvr>
+                                    </p:animEffect>
+                                  </p:childTnLst>
+                                </p:cTn>
+                              </p:par>
+                            </p:childTnLst>
+                          </p:cTn>
+                        </p:par>
+                      </p:childTnLst>
+                    </p:cTn>
+                  </p:par>
+                </p:childTnLst>
+              </p:cTn>
+              <p:prevCondLst>
+                <p:cond evt="onPrev" delay="0">
+                  <p:tgtEl>
+                    <p:sldTgt/>
+                  </p:tgtEl>
+                </p:cond>
+              </p:prevCondLst>
+              <p:nextCondLst>
+                <p:cond evt="onNext" delay="0">
+                  <p:tgtEl>
+                    <p:sldTgt/>
+                  </p:tgtEl>
+                </p:cond>
+              </p:nextCondLst>
+            </p:seq>
+          </p:childTnLst>
+        </p:cTn>
+      </p:par>
+    </p:tnLst>
+  </p:timing>
+</p:sld>
+</file>
+
+<file path=ppt/slides/slide11.xml><?xml version="1.0" encoding="utf-8"?>
+<p:sld xmlns:a="http://schemas.openxmlformats.org/drawingml/2006/main" xmlns:r="http://schemas.openxmlformats.org/officeDocument/2006/relationships" xmlns:p="http://schemas.openxmlformats.org/presentationml/2006/main">
+  <p:cSld>
+    <p:spTree>
+      <p:nvGrpSpPr>
+        <p:cNvPr id="1" name=""/>
+        <p:cNvGrpSpPr/>
+        <p:nvPr/>
+      </p:nvGrpSpPr>
+      <p:grpSpPr>
+        <a:xfrm>
+          <a:off x="0" y="0"/>
+          <a:ext cx="0" cy="0"/>
+          <a:chOff x="0" y="0"/>
+          <a:chExt cx="0" cy="0"/>
+        </a:xfrm>
+      </p:grpSpPr>
+      <p:sp>
+        <p:nvSpPr>
+          <p:cNvPr id="2" name="Title 1"/>
+          <p:cNvSpPr>
+            <a:spLocks noGrp="1"/>
+          </p:cNvSpPr>
+          <p:nvPr>
+            <p:ph type="title"/>
+          </p:nvPr>
+        </p:nvSpPr>
+        <p:spPr/>
+        <p:txBody>
+          <a:bodyPr/>
+          <a:lstStyle/>
+          <a:p>
+            <a:pPr algn="ctr"/>
+            <a:r>
+              <a:rPr lang="en-US" dirty="0" smtClean="0"/>
+              <a:t>Features (Cont..)</a:t>
+            </a:r>
+            <a:endParaRPr lang="en-US" dirty="0"/>
+          </a:p>
+        </p:txBody>
+      </p:sp>
+      <p:sp>
+        <p:nvSpPr>
+          <p:cNvPr id="3" name="Content Placeholder 2"/>
+          <p:cNvSpPr>
+            <a:spLocks noGrp="1"/>
+          </p:cNvSpPr>
+          <p:nvPr>
+            <p:ph idx="1"/>
+          </p:nvPr>
+        </p:nvSpPr>
+        <p:spPr/>
+        <p:txBody>
+          <a:bodyPr/>
+          <a:lstStyle/>
+          <a:p>
+            <a:pPr algn="just"/>
             <a:r>
               <a:rPr lang="en-US" sz="3200" dirty="0" smtClean="0"/>
-              <a:t>Supports for most commonly used document types.</a:t>
+              <a:t>Supports </a:t>
+            </a:r>
+            <a:r>
+              <a:rPr lang="en-US" sz="3200" dirty="0" smtClean="0"/>
+              <a:t>for most commonly used document types.</a:t>
             </a:r>
           </a:p>
           <a:p>
@@ -5471,6 +6122,36 @@
           </a:p>
         </p:txBody>
       </p:sp>
+      <p:pic>
+        <p:nvPicPr>
+          <p:cNvPr id="4" name="Picture 3" descr="Screen Clipping"/>
+          <p:cNvPicPr>
+            <a:picLocks noChangeAspect="1"/>
+          </p:cNvPicPr>
+          <p:nvPr/>
+        </p:nvPicPr>
+        <p:blipFill>
+          <a:blip r:embed="rId2">
+            <a:extLst>
+              <a:ext uri="{28A0092B-C50C-407E-A947-70E740481C1C}">
+                <a14:useLocalDpi xmlns:a14="http://schemas.microsoft.com/office/drawing/2010/main" val="0"/>
+              </a:ext>
+            </a:extLst>
+          </a:blip>
+          <a:stretch>
+            <a:fillRect/>
+          </a:stretch>
+        </p:blipFill>
+        <p:spPr>
+          <a:xfrm>
+            <a:off x="1371600" y="3048000"/>
+            <a:ext cx="5791200" cy="2971800"/>
+          </a:xfrm>
+          <a:prstGeom prst="rect">
+            <a:avLst/>
+          </a:prstGeom>
+        </p:spPr>
+      </p:pic>
     </p:spTree>
     <p:extLst>
       <p:ext uri="{BB962C8B-B14F-4D97-AF65-F5344CB8AC3E}">
@@ -5484,14 +6165,93 @@
   <p:timing>
     <p:tnLst>
       <p:par>
-        <p:cTn id="1" dur="indefinite" restart="never" nodeType="tmRoot"/>
+        <p:cTn id="1" dur="indefinite" restart="never" nodeType="tmRoot">
+          <p:childTnLst>
+            <p:seq concurrent="1" nextAc="seek">
+              <p:cTn id="2" dur="indefinite" nodeType="mainSeq">
+                <p:childTnLst>
+                  <p:par>
+                    <p:cTn id="3" fill="hold">
+                      <p:stCondLst>
+                        <p:cond delay="indefinite"/>
+                        <p:cond evt="onBegin" delay="0">
+                          <p:tn val="2"/>
+                        </p:cond>
+                      </p:stCondLst>
+                      <p:childTnLst>
+                        <p:par>
+                          <p:cTn id="4" fill="hold">
+                            <p:stCondLst>
+                              <p:cond delay="0"/>
+                            </p:stCondLst>
+                            <p:childTnLst>
+                              <p:par>
+                                <p:cTn id="5" presetID="16" presetClass="entr" presetSubtype="21" fill="hold" nodeType="withEffect">
+                                  <p:stCondLst>
+                                    <p:cond delay="0"/>
+                                  </p:stCondLst>
+                                  <p:childTnLst>
+                                    <p:set>
+                                      <p:cBhvr>
+                                        <p:cTn id="6" dur="1" fill="hold">
+                                          <p:stCondLst>
+                                            <p:cond delay="0"/>
+                                          </p:stCondLst>
+                                        </p:cTn>
+                                        <p:tgtEl>
+                                          <p:spTgt spid="4"/>
+                                        </p:tgtEl>
+                                        <p:attrNameLst>
+                                          <p:attrName>style.visibility</p:attrName>
+                                        </p:attrNameLst>
+                                      </p:cBhvr>
+                                      <p:to>
+                                        <p:strVal val="visible"/>
+                                      </p:to>
+                                    </p:set>
+                                    <p:animEffect transition="in" filter="barn(inVertical)">
+                                      <p:cBhvr>
+                                        <p:cTn id="7" dur="500"/>
+                                        <p:tgtEl>
+                                          <p:spTgt spid="4"/>
+                                        </p:tgtEl>
+                                      </p:cBhvr>
+                                    </p:animEffect>
+                                  </p:childTnLst>
+                                </p:cTn>
+                              </p:par>
+                            </p:childTnLst>
+                          </p:cTn>
+                        </p:par>
+                      </p:childTnLst>
+                    </p:cTn>
+                  </p:par>
+                </p:childTnLst>
+              </p:cTn>
+              <p:prevCondLst>
+                <p:cond evt="onPrev" delay="0">
+                  <p:tgtEl>
+                    <p:sldTgt/>
+                  </p:tgtEl>
+                </p:cond>
+              </p:prevCondLst>
+              <p:nextCondLst>
+                <p:cond evt="onNext" delay="0">
+                  <p:tgtEl>
+                    <p:sldTgt/>
+                  </p:tgtEl>
+                </p:cond>
+              </p:nextCondLst>
+            </p:seq>
+          </p:childTnLst>
+        </p:cTn>
       </p:par>
     </p:tnLst>
   </p:timing>
 </p:sld>
 </file>
 
-<file path=ppt/slides/slide11.xml><?xml version="1.0" encoding="utf-8"?>
+<file path=ppt/slides/slide12.xml><?xml version="1.0" encoding="utf-8"?>
 <p:sld xmlns:a="http://schemas.openxmlformats.org/drawingml/2006/main" xmlns:r="http://schemas.openxmlformats.org/officeDocument/2006/relationships" xmlns:p="http://schemas.openxmlformats.org/presentationml/2006/main">
   <p:cSld>
     <p:spTree>
@@ -5722,7 +6482,7 @@
 </p:sld>
 </file>
 
-<file path=ppt/slides/slide12.xml><?xml version="1.0" encoding="utf-8"?>
+<file path=ppt/slides/slide13.xml><?xml version="1.0" encoding="utf-8"?>
 <p:sld xmlns:a="http://schemas.openxmlformats.org/drawingml/2006/main" xmlns:r="http://schemas.openxmlformats.org/officeDocument/2006/relationships" xmlns:p="http://schemas.openxmlformats.org/presentationml/2006/main">
   <p:cSld>
     <p:spTree>
@@ -5810,9 +6570,9 @@
       </p:sp>
       <p:pic>
         <p:nvPicPr>
-          <p:cNvPr id="4" name="Picture 3" descr="Screen Clipping"/>
+          <p:cNvPr id="1026" name="Picture 2"/>
           <p:cNvPicPr>
-            <a:picLocks noChangeAspect="1"/>
+            <a:picLocks noChangeAspect="1" noChangeArrowheads="1"/>
           </p:cNvPicPr>
           <p:nvPr/>
         </p:nvPicPr>
@@ -5824,18 +6584,52 @@
               </a:ext>
             </a:extLst>
           </a:blip>
+          <a:srcRect/>
           <a:stretch>
             <a:fillRect/>
           </a:stretch>
         </p:blipFill>
-        <p:spPr>
+        <p:spPr bwMode="auto">
           <a:xfrm>
-            <a:off x="685800" y="2438400"/>
-            <a:ext cx="7841849" cy="3863051"/>
+            <a:off x="457200" y="2438400"/>
+            <a:ext cx="8382000" cy="3910013"/>
           </a:xfrm>
           <a:prstGeom prst="rect">
             <a:avLst/>
           </a:prstGeom>
+          <a:noFill/>
+          <a:ln>
+            <a:noFill/>
+          </a:ln>
+          <a:effectLst/>
+          <a:extLst>
+            <a:ext uri="{909E8E84-426E-40DD-AFC4-6F175D3DCCD1}">
+              <a14:hiddenFill xmlns:a14="http://schemas.microsoft.com/office/drawing/2010/main">
+                <a:solidFill>
+                  <a:schemeClr val="accent1"/>
+                </a:solidFill>
+              </a14:hiddenFill>
+            </a:ext>
+            <a:ext uri="{91240B29-F687-4F45-9708-019B960494DF}">
+              <a14:hiddenLine xmlns:a14="http://schemas.microsoft.com/office/drawing/2010/main" w="9525">
+                <a:solidFill>
+                  <a:schemeClr val="tx1"/>
+                </a:solidFill>
+                <a:miter lim="800000"/>
+                <a:headEnd/>
+                <a:tailEnd/>
+              </a14:hiddenLine>
+            </a:ext>
+            <a:ext uri="{AF507438-7753-43E0-B8FC-AC1667EBCBE1}">
+              <a14:hiddenEffects xmlns:a14="http://schemas.microsoft.com/office/drawing/2010/main">
+                <a:effectLst>
+                  <a:outerShdw dist="35921" dir="2700000" algn="ctr" rotWithShape="0">
+                    <a:schemeClr val="bg2"/>
+                  </a:outerShdw>
+                </a:effectLst>
+              </a14:hiddenEffects>
+            </a:ext>
+          </a:extLst>
         </p:spPr>
       </p:pic>
     </p:spTree>
@@ -5885,7 +6679,7 @@
                                           </p:stCondLst>
                                         </p:cTn>
                                         <p:tgtEl>
-                                          <p:spTgt spid="4"/>
+                                          <p:spTgt spid="1026"/>
                                         </p:tgtEl>
                                         <p:attrNameLst>
                                           <p:attrName>style.visibility</p:attrName>
@@ -5899,7 +6693,7 @@
                                       <p:cBhvr>
                                         <p:cTn id="7" dur="500"/>
                                         <p:tgtEl>
-                                          <p:spTgt spid="4"/>
+                                          <p:spTgt spid="1026"/>
                                         </p:tgtEl>
                                       </p:cBhvr>
                                     </p:animEffect>
@@ -5937,7 +6731,7 @@
 </p:sld>
 </file>
 
-<file path=ppt/slides/slide13.xml><?xml version="1.0" encoding="utf-8"?>
+<file path=ppt/slides/slide14.xml><?xml version="1.0" encoding="utf-8"?>
 <p:sld xmlns:a="http://schemas.openxmlformats.org/drawingml/2006/main" xmlns:r="http://schemas.openxmlformats.org/officeDocument/2006/relationships" xmlns:p="http://schemas.openxmlformats.org/presentationml/2006/main">
   <p:cSld>
     <p:spTree>
@@ -6148,7 +6942,7 @@
 </p:sld>
 </file>
 
-<file path=ppt/slides/slide14.xml><?xml version="1.0" encoding="utf-8"?>
+<file path=ppt/slides/slide15.xml><?xml version="1.0" encoding="utf-8"?>
 <p:sld xmlns:a="http://schemas.openxmlformats.org/drawingml/2006/main" xmlns:r="http://schemas.openxmlformats.org/officeDocument/2006/relationships" xmlns:p="http://schemas.openxmlformats.org/presentationml/2006/main">
   <p:cSld>
     <p:spTree>
@@ -7781,7 +8575,7 @@
 </p:sld>
 </file>
 
-<file path=ppt/slides/slide15.xml><?xml version="1.0" encoding="utf-8"?>
+<file path=ppt/slides/slide16.xml><?xml version="1.0" encoding="utf-8"?>
 <p:sld xmlns:a="http://schemas.openxmlformats.org/drawingml/2006/main" xmlns:r="http://schemas.openxmlformats.org/officeDocument/2006/relationships" xmlns:p="http://schemas.openxmlformats.org/presentationml/2006/main">
   <p:cSld>
     <p:spTree>
@@ -9398,7 +10192,7 @@
 </p:sld>
 </file>
 
-<file path=ppt/slides/slide16.xml><?xml version="1.0" encoding="utf-8"?>
+<file path=ppt/slides/slide17.xml><?xml version="1.0" encoding="utf-8"?>
 <p:sld xmlns:a="http://schemas.openxmlformats.org/drawingml/2006/main" xmlns:r="http://schemas.openxmlformats.org/officeDocument/2006/relationships" xmlns:p="http://schemas.openxmlformats.org/presentationml/2006/main">
   <p:cSld>
     <p:spTree>
@@ -9593,7 +10387,7 @@
 </p:sld>
 </file>
 
-<file path=ppt/slides/slide17.xml><?xml version="1.0" encoding="utf-8"?>
+<file path=ppt/slides/slide18.xml><?xml version="1.0" encoding="utf-8"?>
 <p:sld xmlns:a="http://schemas.openxmlformats.org/drawingml/2006/main" xmlns:r="http://schemas.openxmlformats.org/officeDocument/2006/relationships" xmlns:p="http://schemas.openxmlformats.org/presentationml/2006/main">
   <p:cSld>
     <p:spTree>
@@ -11213,7 +12007,7 @@
 </p:sld>
 </file>
 
-<file path=ppt/slides/slide18.xml><?xml version="1.0" encoding="utf-8"?>
+<file path=ppt/slides/slide19.xml><?xml version="1.0" encoding="utf-8"?>
 <p:sld xmlns:a="http://schemas.openxmlformats.org/drawingml/2006/main" xmlns:r="http://schemas.openxmlformats.org/officeDocument/2006/relationships" xmlns:p="http://schemas.openxmlformats.org/presentationml/2006/main">
   <p:cSld>
     <p:spTree>
@@ -11458,7 +12252,153 @@
 </p:sld>
 </file>
 
-<file path=ppt/slides/slide19.xml><?xml version="1.0" encoding="utf-8"?>
+<file path=ppt/slides/slide2.xml><?xml version="1.0" encoding="utf-8"?>
+<p:sld xmlns:a="http://schemas.openxmlformats.org/drawingml/2006/main" xmlns:r="http://schemas.openxmlformats.org/officeDocument/2006/relationships" xmlns:p="http://schemas.openxmlformats.org/presentationml/2006/main">
+  <p:cSld>
+    <p:spTree>
+      <p:nvGrpSpPr>
+        <p:cNvPr id="1" name=""/>
+        <p:cNvGrpSpPr/>
+        <p:nvPr/>
+      </p:nvGrpSpPr>
+      <p:grpSpPr>
+        <a:xfrm>
+          <a:off x="0" y="0"/>
+          <a:ext cx="0" cy="0"/>
+          <a:chOff x="0" y="0"/>
+          <a:chExt cx="0" cy="0"/>
+        </a:xfrm>
+      </p:grpSpPr>
+      <p:sp>
+        <p:nvSpPr>
+          <p:cNvPr id="7" name="Title 6"/>
+          <p:cNvSpPr>
+            <a:spLocks noGrp="1"/>
+          </p:cNvSpPr>
+          <p:nvPr>
+            <p:ph type="title"/>
+          </p:nvPr>
+        </p:nvSpPr>
+        <p:spPr/>
+        <p:txBody>
+          <a:bodyPr/>
+          <a:lstStyle/>
+          <a:p>
+            <a:pPr algn="ctr"/>
+            <a:r>
+              <a:rPr lang="en-US" dirty="0" smtClean="0"/>
+              <a:t>Flow of the Presentation</a:t>
+            </a:r>
+            <a:endParaRPr lang="en-US" dirty="0"/>
+          </a:p>
+        </p:txBody>
+      </p:sp>
+      <p:sp>
+        <p:nvSpPr>
+          <p:cNvPr id="8" name="Content Placeholder 7"/>
+          <p:cNvSpPr>
+            <a:spLocks noGrp="1"/>
+          </p:cNvSpPr>
+          <p:nvPr>
+            <p:ph idx="1"/>
+          </p:nvPr>
+        </p:nvSpPr>
+        <p:spPr/>
+        <p:txBody>
+          <a:bodyPr/>
+          <a:lstStyle/>
+          <a:p>
+            <a:pPr>
+              <a:buFont typeface="Wingdings" pitchFamily="2" charset="2"/>
+              <a:buChar char="Ø"/>
+            </a:pPr>
+            <a:r>
+              <a:rPr lang="en-US" dirty="0" smtClean="0"/>
+              <a:t>Plagiarism</a:t>
+            </a:r>
+          </a:p>
+          <a:p>
+            <a:pPr>
+              <a:buFont typeface="Wingdings" pitchFamily="2" charset="2"/>
+              <a:buChar char="Ø"/>
+            </a:pPr>
+            <a:r>
+              <a:rPr lang="en-US" dirty="0" smtClean="0"/>
+              <a:t>What is PlagiaBust</a:t>
+            </a:r>
+          </a:p>
+          <a:p>
+            <a:pPr>
+              <a:buFont typeface="Wingdings" pitchFamily="2" charset="2"/>
+              <a:buChar char="Ø"/>
+            </a:pPr>
+            <a:r>
+              <a:rPr lang="en-US" dirty="0" smtClean="0"/>
+              <a:t>Features</a:t>
+            </a:r>
+          </a:p>
+          <a:p>
+            <a:pPr>
+              <a:buFont typeface="Wingdings" pitchFamily="2" charset="2"/>
+              <a:buChar char="Ø"/>
+            </a:pPr>
+            <a:r>
+              <a:rPr lang="en-US" dirty="0" smtClean="0"/>
+              <a:t>Overview to </a:t>
+            </a:r>
+            <a:r>
+              <a:rPr lang="en-US" dirty="0" err="1" smtClean="0"/>
+              <a:t>PlagiaBust</a:t>
+            </a:r>
+            <a:r>
+              <a:rPr lang="en-US" dirty="0" smtClean="0"/>
+              <a:t> system</a:t>
+            </a:r>
+          </a:p>
+          <a:p>
+            <a:pPr>
+              <a:buFont typeface="Wingdings" pitchFamily="2" charset="2"/>
+              <a:buChar char="Ø"/>
+            </a:pPr>
+            <a:r>
+              <a:rPr lang="en-US" dirty="0" smtClean="0"/>
+              <a:t>R&amp;D</a:t>
+            </a:r>
+          </a:p>
+          <a:p>
+            <a:pPr>
+              <a:buFont typeface="Wingdings" pitchFamily="2" charset="2"/>
+              <a:buChar char="Ø"/>
+            </a:pPr>
+            <a:r>
+              <a:rPr lang="en-US" dirty="0" smtClean="0"/>
+              <a:t>Q &amp; A</a:t>
+            </a:r>
+            <a:endParaRPr lang="en-US" dirty="0"/>
+          </a:p>
+        </p:txBody>
+      </p:sp>
+    </p:spTree>
+    <p:extLst>
+      <p:ext uri="{BB962C8B-B14F-4D97-AF65-F5344CB8AC3E}">
+        <p14:creationId xmlns:p14="http://schemas.microsoft.com/office/powerpoint/2010/main" val="1718737880"/>
+      </p:ext>
+    </p:extLst>
+  </p:cSld>
+  <p:clrMapOvr>
+    <a:masterClrMapping/>
+  </p:clrMapOvr>
+  <p:timing>
+    <p:tnLst>
+      <p:par>
+        <p:cTn id="1" dur="indefinite" restart="never" nodeType="tmRoot"/>
+      </p:par>
+    </p:tnLst>
+  </p:timing>
+</p:sld>
+</file>
+
+<file path=ppt/slides/slide20.xml><?xml version="1.0" encoding="utf-8"?>
 <p:sld xmlns:a="http://schemas.openxmlformats.org/drawingml/2006/main" xmlns:r="http://schemas.openxmlformats.org/officeDocument/2006/relationships" xmlns:p="http://schemas.openxmlformats.org/presentationml/2006/main">
   <p:cSld>
     <p:spTree>
@@ -11519,26 +12459,23 @@
           <a:lstStyle/>
           <a:p>
             <a:r>
+              <a:rPr lang="en-US" sz="2400" dirty="0" smtClean="0"/>
+              <a:t>Query Selection Algorithm</a:t>
+            </a:r>
+          </a:p>
+          <a:p>
+            <a:pPr lvl="1"/>
+            <a:r>
               <a:rPr lang="en-US" dirty="0" smtClean="0"/>
-              <a:t>Query Selection Algorithm</a:t>
-            </a:r>
-          </a:p>
-          <a:p>
-            <a:r>
-              <a:rPr lang="en-US" sz="2100" dirty="0" smtClean="0"/>
               <a:t>Paragraph wise query selection</a:t>
             </a:r>
           </a:p>
           <a:p>
-            <a:r>
-              <a:rPr lang="en-US" sz="2100" dirty="0" smtClean="0"/>
-              <a:t>Testing Corpus - </a:t>
-            </a:r>
-            <a:r>
-              <a:rPr lang="en-US" sz="2400" dirty="0" smtClean="0"/>
-              <a:t>set of 100 documents, each contain approximately 3000 words</a:t>
-            </a:r>
-            <a:endParaRPr lang="en-US" sz="2100" dirty="0" smtClean="0"/>
+            <a:pPr lvl="1"/>
+            <a:r>
+              <a:rPr lang="en-US" dirty="0" smtClean="0"/>
+              <a:t>Testing Corpus - set of 100 documents, each contain approximately 3000 words</a:t>
+            </a:r>
           </a:p>
           <a:p>
             <a:endParaRPr lang="en-US" sz="2100" dirty="0" smtClean="0"/>
@@ -11622,153 +12559,7 @@
 </p:sld>
 </file>
 
-<file path=ppt/slides/slide2.xml><?xml version="1.0" encoding="utf-8"?>
-<p:sld xmlns:a="http://schemas.openxmlformats.org/drawingml/2006/main" xmlns:r="http://schemas.openxmlformats.org/officeDocument/2006/relationships" xmlns:p="http://schemas.openxmlformats.org/presentationml/2006/main">
-  <p:cSld>
-    <p:spTree>
-      <p:nvGrpSpPr>
-        <p:cNvPr id="1" name=""/>
-        <p:cNvGrpSpPr/>
-        <p:nvPr/>
-      </p:nvGrpSpPr>
-      <p:grpSpPr>
-        <a:xfrm>
-          <a:off x="0" y="0"/>
-          <a:ext cx="0" cy="0"/>
-          <a:chOff x="0" y="0"/>
-          <a:chExt cx="0" cy="0"/>
-        </a:xfrm>
-      </p:grpSpPr>
-      <p:sp>
-        <p:nvSpPr>
-          <p:cNvPr id="7" name="Title 6"/>
-          <p:cNvSpPr>
-            <a:spLocks noGrp="1"/>
-          </p:cNvSpPr>
-          <p:nvPr>
-            <p:ph type="title"/>
-          </p:nvPr>
-        </p:nvSpPr>
-        <p:spPr/>
-        <p:txBody>
-          <a:bodyPr/>
-          <a:lstStyle/>
-          <a:p>
-            <a:pPr algn="ctr"/>
-            <a:r>
-              <a:rPr lang="en-US" dirty="0" smtClean="0"/>
-              <a:t>Flow of the Presentation</a:t>
-            </a:r>
-            <a:endParaRPr lang="en-US" dirty="0"/>
-          </a:p>
-        </p:txBody>
-      </p:sp>
-      <p:sp>
-        <p:nvSpPr>
-          <p:cNvPr id="8" name="Content Placeholder 7"/>
-          <p:cNvSpPr>
-            <a:spLocks noGrp="1"/>
-          </p:cNvSpPr>
-          <p:nvPr>
-            <p:ph idx="1"/>
-          </p:nvPr>
-        </p:nvSpPr>
-        <p:spPr/>
-        <p:txBody>
-          <a:bodyPr/>
-          <a:lstStyle/>
-          <a:p>
-            <a:pPr>
-              <a:buFont typeface="Wingdings" pitchFamily="2" charset="2"/>
-              <a:buChar char="Ø"/>
-            </a:pPr>
-            <a:r>
-              <a:rPr lang="en-US" dirty="0" smtClean="0"/>
-              <a:t>Plagiarism</a:t>
-            </a:r>
-          </a:p>
-          <a:p>
-            <a:pPr>
-              <a:buFont typeface="Wingdings" pitchFamily="2" charset="2"/>
-              <a:buChar char="Ø"/>
-            </a:pPr>
-            <a:r>
-              <a:rPr lang="en-US" dirty="0" smtClean="0"/>
-              <a:t>What is PlagiaBust</a:t>
-            </a:r>
-          </a:p>
-          <a:p>
-            <a:pPr>
-              <a:buFont typeface="Wingdings" pitchFamily="2" charset="2"/>
-              <a:buChar char="Ø"/>
-            </a:pPr>
-            <a:r>
-              <a:rPr lang="en-US" dirty="0" smtClean="0"/>
-              <a:t>Features</a:t>
-            </a:r>
-          </a:p>
-          <a:p>
-            <a:pPr>
-              <a:buFont typeface="Wingdings" pitchFamily="2" charset="2"/>
-              <a:buChar char="Ø"/>
-            </a:pPr>
-            <a:r>
-              <a:rPr lang="en-US" dirty="0" smtClean="0"/>
-              <a:t>Overview to </a:t>
-            </a:r>
-            <a:r>
-              <a:rPr lang="en-US" dirty="0" err="1" smtClean="0"/>
-              <a:t>PlagiaBust</a:t>
-            </a:r>
-            <a:r>
-              <a:rPr lang="en-US" dirty="0" smtClean="0"/>
-              <a:t> system</a:t>
-            </a:r>
-          </a:p>
-          <a:p>
-            <a:pPr>
-              <a:buFont typeface="Wingdings" pitchFamily="2" charset="2"/>
-              <a:buChar char="Ø"/>
-            </a:pPr>
-            <a:r>
-              <a:rPr lang="en-US" dirty="0" smtClean="0"/>
-              <a:t>R&amp;D</a:t>
-            </a:r>
-          </a:p>
-          <a:p>
-            <a:pPr>
-              <a:buFont typeface="Wingdings" pitchFamily="2" charset="2"/>
-              <a:buChar char="Ø"/>
-            </a:pPr>
-            <a:r>
-              <a:rPr lang="en-US" dirty="0" smtClean="0"/>
-              <a:t>Q &amp; A</a:t>
-            </a:r>
-            <a:endParaRPr lang="en-US" dirty="0"/>
-          </a:p>
-        </p:txBody>
-      </p:sp>
-    </p:spTree>
-    <p:extLst>
-      <p:ext uri="{BB962C8B-B14F-4D97-AF65-F5344CB8AC3E}">
-        <p14:creationId xmlns:p14="http://schemas.microsoft.com/office/powerpoint/2010/main" val="1718737880"/>
-      </p:ext>
-    </p:extLst>
-  </p:cSld>
-  <p:clrMapOvr>
-    <a:masterClrMapping/>
-  </p:clrMapOvr>
-  <p:timing>
-    <p:tnLst>
-      <p:par>
-        <p:cTn id="1" dur="indefinite" restart="never" nodeType="tmRoot"/>
-      </p:par>
-    </p:tnLst>
-  </p:timing>
-</p:sld>
-</file>
-
-<file path=ppt/slides/slide20.xml><?xml version="1.0" encoding="utf-8"?>
+<file path=ppt/slides/slide21.xml><?xml version="1.0" encoding="utf-8"?>
 <p:sld xmlns:a="http://schemas.openxmlformats.org/drawingml/2006/main" xmlns:r="http://schemas.openxmlformats.org/officeDocument/2006/relationships" xmlns:p="http://schemas.openxmlformats.org/presentationml/2006/main">
   <p:cSld>
     <p:spTree>
@@ -11970,7 +12761,7 @@
 </p:sld>
 </file>
 
-<file path=ppt/slides/slide21.xml><?xml version="1.0" encoding="utf-8"?>
+<file path=ppt/slides/slide22.xml><?xml version="1.0" encoding="utf-8"?>
 <p:sld xmlns:a="http://schemas.openxmlformats.org/drawingml/2006/main" xmlns:r="http://schemas.openxmlformats.org/officeDocument/2006/relationships" xmlns:p="http://schemas.openxmlformats.org/presentationml/2006/main">
   <p:cSld>
     <p:spTree>
@@ -13586,223 +14377,6 @@
 </p:sld>
 </file>
 
-<file path=ppt/slides/slide22.xml><?xml version="1.0" encoding="utf-8"?>
-<p:sld xmlns:a="http://schemas.openxmlformats.org/drawingml/2006/main" xmlns:r="http://schemas.openxmlformats.org/officeDocument/2006/relationships" xmlns:p="http://schemas.openxmlformats.org/presentationml/2006/main">
-  <p:cSld>
-    <p:spTree>
-      <p:nvGrpSpPr>
-        <p:cNvPr id="1" name=""/>
-        <p:cNvGrpSpPr/>
-        <p:nvPr/>
-      </p:nvGrpSpPr>
-      <p:grpSpPr>
-        <a:xfrm>
-          <a:off x="0" y="0"/>
-          <a:ext cx="0" cy="0"/>
-          <a:chOff x="0" y="0"/>
-          <a:chExt cx="0" cy="0"/>
-        </a:xfrm>
-      </p:grpSpPr>
-      <p:sp>
-        <p:nvSpPr>
-          <p:cNvPr id="2" name="Title 1"/>
-          <p:cNvSpPr>
-            <a:spLocks noGrp="1"/>
-          </p:cNvSpPr>
-          <p:nvPr>
-            <p:ph type="title"/>
-          </p:nvPr>
-        </p:nvSpPr>
-        <p:spPr/>
-        <p:txBody>
-          <a:bodyPr/>
-          <a:lstStyle/>
-          <a:p>
-            <a:pPr algn="ctr"/>
-            <a:r>
-              <a:rPr lang="en-US" dirty="0" smtClean="0"/>
-              <a:t>Data Pre-processing R&amp;D</a:t>
-            </a:r>
-            <a:endParaRPr lang="en-US" dirty="0"/>
-          </a:p>
-        </p:txBody>
-      </p:sp>
-      <p:sp>
-        <p:nvSpPr>
-          <p:cNvPr id="3" name="Content Placeholder 2"/>
-          <p:cNvSpPr>
-            <a:spLocks noGrp="1"/>
-          </p:cNvSpPr>
-          <p:nvPr>
-            <p:ph idx="1"/>
-          </p:nvPr>
-        </p:nvSpPr>
-        <p:spPr/>
-        <p:txBody>
-          <a:bodyPr>
-            <a:noAutofit/>
-          </a:bodyPr>
-          <a:lstStyle/>
-          <a:p>
-            <a:pPr>
-              <a:buFont typeface="Arial" pitchFamily="34" charset="0"/>
-              <a:buChar char="•"/>
-            </a:pPr>
-            <a:r>
-              <a:rPr lang="en-US" dirty="0" smtClean="0"/>
-              <a:t>Stemming Algorithms – convert words root form</a:t>
-            </a:r>
-          </a:p>
-          <a:p>
-            <a:pPr lvl="1">
-              <a:buFont typeface="Arial" pitchFamily="34" charset="0"/>
-              <a:buChar char="•"/>
-            </a:pPr>
-            <a:r>
-              <a:rPr lang="en-US" sz="2200" dirty="0" smtClean="0"/>
-              <a:t>Martin Porters Algorithm</a:t>
-            </a:r>
-          </a:p>
-          <a:p>
-            <a:pPr lvl="1">
-              <a:buFont typeface="Arial" pitchFamily="34" charset="0"/>
-              <a:buChar char="•"/>
-              <a:defRPr/>
-            </a:pPr>
-            <a:r>
-              <a:rPr lang="en-US" sz="2200" dirty="0" err="1" smtClean="0"/>
-              <a:t>Lovins</a:t>
-            </a:r>
-            <a:r>
-              <a:rPr lang="en-US" sz="2200" dirty="0" smtClean="0"/>
-              <a:t> Algorithm</a:t>
-            </a:r>
-          </a:p>
-          <a:p>
-            <a:pPr>
-              <a:buFont typeface="Arial" pitchFamily="34" charset="0"/>
-              <a:buChar char="•"/>
-              <a:defRPr/>
-            </a:pPr>
-            <a:r>
-              <a:rPr lang="en-US" sz="2400" dirty="0" smtClean="0"/>
-              <a:t>Stop Words Removal – remove common words (a, the,..)</a:t>
-            </a:r>
-          </a:p>
-          <a:p>
-            <a:pPr lvl="1">
-              <a:buFont typeface="Arial" pitchFamily="34" charset="0"/>
-              <a:buChar char="•"/>
-            </a:pPr>
-            <a:r>
-              <a:rPr lang="en-US" sz="2000" dirty="0" smtClean="0"/>
-              <a:t> Apache Lucene </a:t>
-            </a:r>
-            <a:r>
-              <a:rPr lang="en-US" sz="2000" dirty="0" err="1" smtClean="0"/>
-              <a:t>StopAnalyzer</a:t>
-            </a:r>
-            <a:endParaRPr lang="en-US" sz="2000" dirty="0" smtClean="0"/>
-          </a:p>
-          <a:p>
-            <a:pPr lvl="1">
-              <a:buFont typeface="Arial" pitchFamily="34" charset="0"/>
-              <a:buChar char="•"/>
-            </a:pPr>
-            <a:r>
-              <a:rPr lang="en-US" sz="2000" dirty="0"/>
-              <a:t> </a:t>
-            </a:r>
-            <a:r>
-              <a:rPr lang="en-US" sz="2000" dirty="0" smtClean="0"/>
-              <a:t>Apache Lucene </a:t>
-            </a:r>
-            <a:r>
-              <a:rPr lang="en-US" sz="2000" dirty="0" err="1" smtClean="0"/>
-              <a:t>SnowballAnalyzer</a:t>
-            </a:r>
-            <a:endParaRPr lang="en-US" sz="2000" dirty="0" smtClean="0"/>
-          </a:p>
-          <a:p>
-            <a:pPr>
-              <a:buFont typeface="Arial" pitchFamily="34" charset="0"/>
-              <a:buChar char="•"/>
-            </a:pPr>
-            <a:r>
-              <a:rPr lang="en-US" sz="2200" dirty="0" smtClean="0"/>
-              <a:t>Synonym Replacement</a:t>
-            </a:r>
-          </a:p>
-          <a:p>
-            <a:pPr lvl="1">
-              <a:buFont typeface="Arial" pitchFamily="34" charset="0"/>
-              <a:buChar char="•"/>
-            </a:pPr>
-            <a:r>
-              <a:rPr lang="en-US" sz="2000" dirty="0" smtClean="0"/>
-              <a:t>WordNet - lexical database for the English language</a:t>
-            </a:r>
-          </a:p>
-          <a:p>
-            <a:pPr lvl="1">
-              <a:buFont typeface="Arial" pitchFamily="34" charset="0"/>
-              <a:buChar char="•"/>
-            </a:pPr>
-            <a:r>
-              <a:rPr lang="en-US" sz="2000" dirty="0" smtClean="0"/>
-              <a:t>JWNL (Java WordNet Library)</a:t>
-            </a:r>
-          </a:p>
-          <a:p>
-            <a:pPr lvl="1">
-              <a:buFont typeface="Arial" pitchFamily="34" charset="0"/>
-              <a:buChar char="•"/>
-            </a:pPr>
-            <a:r>
-              <a:rPr lang="de-DE" sz="2000" dirty="0" smtClean="0"/>
-              <a:t>JWI (MIT Java Interface to Wordnet)</a:t>
-            </a:r>
-          </a:p>
-          <a:p>
-            <a:pPr lvl="1">
-              <a:buFont typeface="Arial" pitchFamily="34" charset="0"/>
-              <a:buChar char="•"/>
-            </a:pPr>
-            <a:r>
-              <a:rPr lang="en-US" sz="2000" dirty="0" smtClean="0"/>
-              <a:t>Lucene – WordNet  (Apache </a:t>
-            </a:r>
-            <a:r>
-              <a:rPr lang="en-US" sz="2000" dirty="0" err="1" smtClean="0"/>
-              <a:t>lucene</a:t>
-            </a:r>
-            <a:r>
-              <a:rPr lang="en-US" sz="2000" dirty="0" smtClean="0"/>
-              <a:t> team)</a:t>
-            </a:r>
-          </a:p>
-        </p:txBody>
-      </p:sp>
-    </p:spTree>
-    <p:extLst>
-      <p:ext uri="{BB962C8B-B14F-4D97-AF65-F5344CB8AC3E}">
-        <p14:creationId xmlns:p14="http://schemas.microsoft.com/office/powerpoint/2010/main" val="3821730177"/>
-      </p:ext>
-    </p:extLst>
-  </p:cSld>
-  <p:clrMapOvr>
-    <a:masterClrMapping/>
-  </p:clrMapOvr>
-  <p:timing>
-    <p:tnLst>
-      <p:par>
-        <p:cTn id="1" dur="indefinite" restart="never" nodeType="tmRoot"/>
-      </p:par>
-    </p:tnLst>
-  </p:timing>
-</p:sld>
-</file>
-
 <file path=ppt/slides/slide23.xml><?xml version="1.0" encoding="utf-8"?>
 <p:sld xmlns:a="http://schemas.openxmlformats.org/drawingml/2006/main" xmlns:r="http://schemas.openxmlformats.org/officeDocument/2006/relationships" xmlns:p="http://schemas.openxmlformats.org/presentationml/2006/main">
   <p:cSld>
@@ -13857,6 +14431,223 @@
         <p:spPr/>
         <p:txBody>
           <a:bodyPr>
+            <a:noAutofit/>
+          </a:bodyPr>
+          <a:lstStyle/>
+          <a:p>
+            <a:pPr>
+              <a:buFont typeface="Arial" pitchFamily="34" charset="0"/>
+              <a:buChar char="•"/>
+            </a:pPr>
+            <a:r>
+              <a:rPr lang="en-US" dirty="0" smtClean="0"/>
+              <a:t>Stemming Algorithms – convert words root form</a:t>
+            </a:r>
+          </a:p>
+          <a:p>
+            <a:pPr lvl="1">
+              <a:buFont typeface="Arial" pitchFamily="34" charset="0"/>
+              <a:buChar char="•"/>
+            </a:pPr>
+            <a:r>
+              <a:rPr lang="en-US" sz="2200" dirty="0" smtClean="0"/>
+              <a:t>Martin Porters Algorithm</a:t>
+            </a:r>
+          </a:p>
+          <a:p>
+            <a:pPr lvl="1">
+              <a:buFont typeface="Arial" pitchFamily="34" charset="0"/>
+              <a:buChar char="•"/>
+              <a:defRPr/>
+            </a:pPr>
+            <a:r>
+              <a:rPr lang="en-US" sz="2200" dirty="0" err="1" smtClean="0"/>
+              <a:t>Lovins</a:t>
+            </a:r>
+            <a:r>
+              <a:rPr lang="en-US" sz="2200" dirty="0" smtClean="0"/>
+              <a:t> Algorithm</a:t>
+            </a:r>
+          </a:p>
+          <a:p>
+            <a:pPr>
+              <a:buFont typeface="Arial" pitchFamily="34" charset="0"/>
+              <a:buChar char="•"/>
+              <a:defRPr/>
+            </a:pPr>
+            <a:r>
+              <a:rPr lang="en-US" sz="2400" dirty="0" smtClean="0"/>
+              <a:t>Stop Words Removal – remove common words (a, the,..)</a:t>
+            </a:r>
+          </a:p>
+          <a:p>
+            <a:pPr lvl="1">
+              <a:buFont typeface="Arial" pitchFamily="34" charset="0"/>
+              <a:buChar char="•"/>
+            </a:pPr>
+            <a:r>
+              <a:rPr lang="en-US" sz="2000" dirty="0" smtClean="0"/>
+              <a:t> Apache Lucene </a:t>
+            </a:r>
+            <a:r>
+              <a:rPr lang="en-US" sz="2000" dirty="0" err="1" smtClean="0"/>
+              <a:t>StopAnalyzer</a:t>
+            </a:r>
+            <a:endParaRPr lang="en-US" sz="2000" dirty="0" smtClean="0"/>
+          </a:p>
+          <a:p>
+            <a:pPr lvl="1">
+              <a:buFont typeface="Arial" pitchFamily="34" charset="0"/>
+              <a:buChar char="•"/>
+            </a:pPr>
+            <a:r>
+              <a:rPr lang="en-US" sz="2000" dirty="0"/>
+              <a:t> </a:t>
+            </a:r>
+            <a:r>
+              <a:rPr lang="en-US" sz="2000" dirty="0" smtClean="0"/>
+              <a:t>Apache Lucene </a:t>
+            </a:r>
+            <a:r>
+              <a:rPr lang="en-US" sz="2000" dirty="0" err="1" smtClean="0"/>
+              <a:t>SnowballAnalyzer</a:t>
+            </a:r>
+            <a:endParaRPr lang="en-US" sz="2000" dirty="0" smtClean="0"/>
+          </a:p>
+          <a:p>
+            <a:pPr>
+              <a:buFont typeface="Arial" pitchFamily="34" charset="0"/>
+              <a:buChar char="•"/>
+            </a:pPr>
+            <a:r>
+              <a:rPr lang="en-US" sz="2200" dirty="0" smtClean="0"/>
+              <a:t>Synonym Replacement</a:t>
+            </a:r>
+          </a:p>
+          <a:p>
+            <a:pPr lvl="1">
+              <a:buFont typeface="Arial" pitchFamily="34" charset="0"/>
+              <a:buChar char="•"/>
+            </a:pPr>
+            <a:r>
+              <a:rPr lang="en-US" sz="2000" dirty="0" smtClean="0"/>
+              <a:t>WordNet - lexical database for the English language</a:t>
+            </a:r>
+          </a:p>
+          <a:p>
+            <a:pPr lvl="1">
+              <a:buFont typeface="Arial" pitchFamily="34" charset="0"/>
+              <a:buChar char="•"/>
+            </a:pPr>
+            <a:r>
+              <a:rPr lang="en-US" sz="2000" dirty="0" smtClean="0"/>
+              <a:t>JWNL (Java WordNet Library)</a:t>
+            </a:r>
+          </a:p>
+          <a:p>
+            <a:pPr lvl="1">
+              <a:buFont typeface="Arial" pitchFamily="34" charset="0"/>
+              <a:buChar char="•"/>
+            </a:pPr>
+            <a:r>
+              <a:rPr lang="de-DE" sz="2000" dirty="0" smtClean="0"/>
+              <a:t>JWI (MIT Java Interface to Wordnet)</a:t>
+            </a:r>
+          </a:p>
+          <a:p>
+            <a:pPr lvl="1">
+              <a:buFont typeface="Arial" pitchFamily="34" charset="0"/>
+              <a:buChar char="•"/>
+            </a:pPr>
+            <a:r>
+              <a:rPr lang="en-US" sz="2000" dirty="0" smtClean="0"/>
+              <a:t>Lucene – WordNet  (Apache </a:t>
+            </a:r>
+            <a:r>
+              <a:rPr lang="en-US" sz="2000" dirty="0" err="1" smtClean="0"/>
+              <a:t>lucene</a:t>
+            </a:r>
+            <a:r>
+              <a:rPr lang="en-US" sz="2000" dirty="0" smtClean="0"/>
+              <a:t> team)</a:t>
+            </a:r>
+          </a:p>
+        </p:txBody>
+      </p:sp>
+    </p:spTree>
+    <p:extLst>
+      <p:ext uri="{BB962C8B-B14F-4D97-AF65-F5344CB8AC3E}">
+        <p14:creationId xmlns:p14="http://schemas.microsoft.com/office/powerpoint/2010/main" val="3821730177"/>
+      </p:ext>
+    </p:extLst>
+  </p:cSld>
+  <p:clrMapOvr>
+    <a:masterClrMapping/>
+  </p:clrMapOvr>
+  <p:timing>
+    <p:tnLst>
+      <p:par>
+        <p:cTn id="1" dur="indefinite" restart="never" nodeType="tmRoot"/>
+      </p:par>
+    </p:tnLst>
+  </p:timing>
+</p:sld>
+</file>
+
+<file path=ppt/slides/slide24.xml><?xml version="1.0" encoding="utf-8"?>
+<p:sld xmlns:a="http://schemas.openxmlformats.org/drawingml/2006/main" xmlns:r="http://schemas.openxmlformats.org/officeDocument/2006/relationships" xmlns:p="http://schemas.openxmlformats.org/presentationml/2006/main">
+  <p:cSld>
+    <p:spTree>
+      <p:nvGrpSpPr>
+        <p:cNvPr id="1" name=""/>
+        <p:cNvGrpSpPr/>
+        <p:nvPr/>
+      </p:nvGrpSpPr>
+      <p:grpSpPr>
+        <a:xfrm>
+          <a:off x="0" y="0"/>
+          <a:ext cx="0" cy="0"/>
+          <a:chOff x="0" y="0"/>
+          <a:chExt cx="0" cy="0"/>
+        </a:xfrm>
+      </p:grpSpPr>
+      <p:sp>
+        <p:nvSpPr>
+          <p:cNvPr id="2" name="Title 1"/>
+          <p:cNvSpPr>
+            <a:spLocks noGrp="1"/>
+          </p:cNvSpPr>
+          <p:nvPr>
+            <p:ph type="title"/>
+          </p:nvPr>
+        </p:nvSpPr>
+        <p:spPr/>
+        <p:txBody>
+          <a:bodyPr/>
+          <a:lstStyle/>
+          <a:p>
+            <a:pPr algn="ctr"/>
+            <a:r>
+              <a:rPr lang="en-US" dirty="0" smtClean="0"/>
+              <a:t>Data Pre-processing R&amp;D</a:t>
+            </a:r>
+            <a:endParaRPr lang="en-US" dirty="0"/>
+          </a:p>
+        </p:txBody>
+      </p:sp>
+      <p:sp>
+        <p:nvSpPr>
+          <p:cNvPr id="3" name="Content Placeholder 2"/>
+          <p:cNvSpPr>
+            <a:spLocks noGrp="1"/>
+          </p:cNvSpPr>
+          <p:nvPr>
+            <p:ph idx="1"/>
+          </p:nvPr>
+        </p:nvSpPr>
+        <p:spPr/>
+        <p:txBody>
+          <a:bodyPr>
             <a:normAutofit/>
           </a:bodyPr>
           <a:lstStyle/>
@@ -13922,7 +14713,13 @@
         <p:nvGraphicFramePr>
           <p:cNvPr id="5" name="Chart 4"/>
           <p:cNvGraphicFramePr/>
-          <p:nvPr/>
+          <p:nvPr>
+            <p:extLst>
+              <p:ext uri="{D42A27DB-BD31-4B8C-83A1-F6EECF244321}">
+                <p14:modId xmlns:p14="http://schemas.microsoft.com/office/powerpoint/2010/main" val="4061168764"/>
+              </p:ext>
+            </p:extLst>
+          </p:nvPr>
         </p:nvGraphicFramePr>
         <p:xfrm>
           <a:off x="914400" y="2819400"/>
@@ -13954,7 +14751,7 @@
 </p:sld>
 </file>
 
-<file path=ppt/slides/slide24.xml><?xml version="1.0" encoding="utf-8"?>
+<file path=ppt/slides/slide25.xml><?xml version="1.0" encoding="utf-8"?>
 <p:sld xmlns:a="http://schemas.openxmlformats.org/drawingml/2006/main" xmlns:r="http://schemas.openxmlformats.org/officeDocument/2006/relationships" xmlns:p="http://schemas.openxmlformats.org/presentationml/2006/main">
   <p:cSld>
     <p:spTree>
@@ -15571,7 +16368,7 @@
 </p:sld>
 </file>
 
-<file path=ppt/slides/slide25.xml><?xml version="1.0" encoding="utf-8"?>
+<file path=ppt/slides/slide26.xml><?xml version="1.0" encoding="utf-8"?>
 <p:sld xmlns:a="http://schemas.openxmlformats.org/drawingml/2006/main" xmlns:r="http://schemas.openxmlformats.org/officeDocument/2006/relationships" xmlns:p="http://schemas.openxmlformats.org/presentationml/2006/main">
   <p:cSld>
     <p:spTree>
@@ -15729,7 +16526,7 @@
 </p:sld>
 </file>
 
-<file path=ppt/slides/slide26.xml><?xml version="1.0" encoding="utf-8"?>
+<file path=ppt/slides/slide27.xml><?xml version="1.0" encoding="utf-8"?>
 <p:sld xmlns:a="http://schemas.openxmlformats.org/drawingml/2006/main" xmlns:r="http://schemas.openxmlformats.org/officeDocument/2006/relationships" xmlns:p="http://schemas.openxmlformats.org/presentationml/2006/main">
   <p:cSld>
     <p:spTree>
@@ -15806,7 +16603,15 @@
             <a:pPr lvl="1"/>
             <a:r>
               <a:rPr lang="en-US" sz="6400" dirty="0" smtClean="0"/>
-              <a:t>Algorithm– Semantic Similarity calculation</a:t>
+              <a:t>Equation</a:t>
+            </a:r>
+            <a:r>
+              <a:rPr lang="en-US" sz="6400" dirty="0" smtClean="0"/>
+              <a:t>– </a:t>
+            </a:r>
+            <a:r>
+              <a:rPr lang="en-US" sz="6400" dirty="0" smtClean="0"/>
+              <a:t>Semantic Similarity calculation</a:t>
             </a:r>
           </a:p>
           <a:p>
@@ -16195,7 +17000,7 @@
 </p:sld>
 </file>
 
-<file path=ppt/slides/slide27.xml><?xml version="1.0" encoding="utf-8"?>
+<file path=ppt/slides/slide28.xml><?xml version="1.0" encoding="utf-8"?>
 <p:sld xmlns:a="http://schemas.openxmlformats.org/drawingml/2006/main" xmlns:r="http://schemas.openxmlformats.org/officeDocument/2006/relationships" xmlns:p="http://schemas.openxmlformats.org/presentationml/2006/main">
   <p:cSld>
     <p:spTree>
@@ -16587,7 +17392,7 @@
 </p:sld>
 </file>
 
-<file path=ppt/slides/slide28.xml><?xml version="1.0" encoding="utf-8"?>
+<file path=ppt/slides/slide29.xml><?xml version="1.0" encoding="utf-8"?>
 <p:sld xmlns:a="http://schemas.openxmlformats.org/drawingml/2006/main" xmlns:r="http://schemas.openxmlformats.org/officeDocument/2006/relationships" xmlns:p="http://schemas.openxmlformats.org/presentationml/2006/main">
   <p:cSld>
     <p:spTree>
@@ -20931,198 +21736,6 @@
 </p:sld>
 </file>
 
-<file path=ppt/slides/slide29.xml><?xml version="1.0" encoding="utf-8"?>
-<p:sld xmlns:a="http://schemas.openxmlformats.org/drawingml/2006/main" xmlns:r="http://schemas.openxmlformats.org/officeDocument/2006/relationships" xmlns:p="http://schemas.openxmlformats.org/presentationml/2006/main">
-  <p:cSld>
-    <p:spTree>
-      <p:nvGrpSpPr>
-        <p:cNvPr id="1" name=""/>
-        <p:cNvGrpSpPr/>
-        <p:nvPr/>
-      </p:nvGrpSpPr>
-      <p:grpSpPr>
-        <a:xfrm>
-          <a:off x="0" y="0"/>
-          <a:ext cx="0" cy="0"/>
-          <a:chOff x="0" y="0"/>
-          <a:chExt cx="0" cy="0"/>
-        </a:xfrm>
-      </p:grpSpPr>
-      <p:sp>
-        <p:nvSpPr>
-          <p:cNvPr id="2" name="Title 1"/>
-          <p:cNvSpPr>
-            <a:spLocks noGrp="1"/>
-          </p:cNvSpPr>
-          <p:nvPr>
-            <p:ph type="title"/>
-          </p:nvPr>
-        </p:nvSpPr>
-        <p:spPr/>
-        <p:txBody>
-          <a:bodyPr>
-            <a:normAutofit/>
-          </a:bodyPr>
-          <a:lstStyle/>
-          <a:p>
-            <a:pPr algn="ctr"/>
-            <a:r>
-              <a:rPr lang="en-US" dirty="0"/>
-              <a:t>Matching Engine R&amp;D</a:t>
-            </a:r>
-          </a:p>
-        </p:txBody>
-      </p:sp>
-      <p:sp>
-        <p:nvSpPr>
-          <p:cNvPr id="3" name="Content Placeholder 2"/>
-          <p:cNvSpPr>
-            <a:spLocks noGrp="1"/>
-          </p:cNvSpPr>
-          <p:nvPr>
-            <p:ph idx="1"/>
-          </p:nvPr>
-        </p:nvSpPr>
-        <p:spPr>
-          <a:xfrm>
-            <a:off x="457200" y="1935480"/>
-            <a:ext cx="8229600" cy="4693920"/>
-          </a:xfrm>
-        </p:spPr>
-        <p:txBody>
-          <a:bodyPr>
-            <a:normAutofit fontScale="25000" lnSpcReduction="20000"/>
-          </a:bodyPr>
-          <a:lstStyle/>
-          <a:p>
-            <a:endParaRPr lang="en-US" sz="3100" dirty="0" smtClean="0"/>
-          </a:p>
-          <a:p>
-            <a:pPr marL="0" indent="0">
-              <a:buNone/>
-            </a:pPr>
-            <a:r>
-              <a:rPr lang="en-US" sz="9600" b="1" dirty="0" smtClean="0"/>
-              <a:t>Copy - Paste Detection</a:t>
-            </a:r>
-            <a:endParaRPr lang="en-US" sz="11200" dirty="0" smtClean="0"/>
-          </a:p>
-          <a:p>
-            <a:r>
-              <a:rPr lang="en-US" sz="9600" dirty="0" smtClean="0"/>
-              <a:t>Textual </a:t>
-            </a:r>
-            <a:r>
-              <a:rPr lang="en-US" sz="9600" dirty="0"/>
-              <a:t>Comparison Algorithms</a:t>
-            </a:r>
-          </a:p>
-          <a:p>
-            <a:pPr lvl="1">
-              <a:lnSpc>
-                <a:spcPct val="220000"/>
-              </a:lnSpc>
-            </a:pPr>
-            <a:r>
-              <a:rPr lang="en-US" sz="9600" dirty="0"/>
-              <a:t>Cosine Similarity</a:t>
-            </a:r>
-          </a:p>
-          <a:p>
-            <a:pPr lvl="1">
-              <a:lnSpc>
-                <a:spcPct val="220000"/>
-              </a:lnSpc>
-            </a:pPr>
-            <a:r>
-              <a:rPr lang="en-US" sz="9600" dirty="0"/>
-              <a:t>Euclidean Distance</a:t>
-            </a:r>
-          </a:p>
-          <a:p>
-            <a:pPr lvl="1">
-              <a:lnSpc>
-                <a:spcPct val="220000"/>
-              </a:lnSpc>
-            </a:pPr>
-            <a:r>
-              <a:rPr lang="en-US" sz="9600" dirty="0"/>
-              <a:t>Greedy String Tiling</a:t>
-            </a:r>
-          </a:p>
-          <a:p>
-            <a:pPr lvl="1">
-              <a:lnSpc>
-                <a:spcPct val="220000"/>
-              </a:lnSpc>
-            </a:pPr>
-            <a:r>
-              <a:rPr lang="en-US" sz="9600" dirty="0"/>
-              <a:t>ShingleCloud </a:t>
-            </a:r>
-          </a:p>
-          <a:p>
-            <a:endParaRPr lang="en-US" sz="5500" dirty="0" smtClean="0"/>
-          </a:p>
-          <a:p>
-            <a:endParaRPr lang="en-US" dirty="0" smtClean="0"/>
-          </a:p>
-          <a:p>
-            <a:endParaRPr lang="en-US" dirty="0" smtClean="0"/>
-          </a:p>
-          <a:p>
-            <a:endParaRPr lang="en-US" dirty="0" smtClean="0"/>
-          </a:p>
-          <a:p>
-            <a:pPr lvl="1">
-              <a:buNone/>
-            </a:pPr>
-            <a:r>
-              <a:rPr lang="en-US" sz="2000" dirty="0" smtClean="0"/>
-              <a:t>		</a:t>
-            </a:r>
-            <a:endParaRPr lang="en-US" dirty="0" smtClean="0"/>
-          </a:p>
-          <a:p>
-            <a:pPr>
-              <a:buNone/>
-            </a:pPr>
-            <a:r>
-              <a:rPr lang="en-US" dirty="0" smtClean="0"/>
-              <a:t>			</a:t>
-            </a:r>
-          </a:p>
-          <a:p>
-            <a:endParaRPr lang="en-US" dirty="0" smtClean="0"/>
-          </a:p>
-          <a:p>
-            <a:pPr lvl="2">
-              <a:buNone/>
-            </a:pPr>
-            <a:endParaRPr lang="en-US" dirty="0"/>
-          </a:p>
-        </p:txBody>
-      </p:sp>
-    </p:spTree>
-    <p:extLst>
-      <p:ext uri="{BB962C8B-B14F-4D97-AF65-F5344CB8AC3E}">
-        <p14:creationId xmlns:p14="http://schemas.microsoft.com/office/powerpoint/2010/main" val="3389642042"/>
-      </p:ext>
-    </p:extLst>
-  </p:cSld>
-  <p:clrMapOvr>
-    <a:masterClrMapping/>
-  </p:clrMapOvr>
-  <p:timing>
-    <p:tnLst>
-      <p:par>
-        <p:cTn id="1" dur="indefinite" restart="never" nodeType="tmRoot"/>
-      </p:par>
-    </p:tnLst>
-  </p:timing>
-</p:sld>
-</file>
-
 <file path=ppt/slides/slide3.xml><?xml version="1.0" encoding="utf-8"?>
 <p:sld xmlns:a="http://schemas.openxmlformats.org/drawingml/2006/main" xmlns:r="http://schemas.openxmlformats.org/officeDocument/2006/relationships" xmlns:p="http://schemas.openxmlformats.org/presentationml/2006/main">
   <p:cSld>
@@ -21254,12 +21867,7 @@
             <p:ph type="title"/>
           </p:nvPr>
         </p:nvSpPr>
-        <p:spPr>
-          <a:xfrm>
-            <a:off x="304800" y="685800"/>
-            <a:ext cx="8229600" cy="1143000"/>
-          </a:xfrm>
-        </p:spPr>
+        <p:spPr/>
         <p:txBody>
           <a:bodyPr>
             <a:normAutofit/>
@@ -21292,68 +21900,97 @@
         </p:spPr>
         <p:txBody>
           <a:bodyPr>
-            <a:normAutofit fontScale="85000" lnSpcReduction="20000"/>
+            <a:normAutofit fontScale="25000" lnSpcReduction="20000"/>
           </a:bodyPr>
           <a:lstStyle/>
           <a:p>
-            <a:r>
-              <a:rPr lang="en-US" sz="2800" dirty="0"/>
-              <a:t>Textual Similarity Algorithm Comparison</a:t>
-            </a:r>
-          </a:p>
-          <a:p>
-            <a:pPr lvl="1"/>
-            <a:r>
-              <a:rPr lang="en-US" sz="2800" dirty="0"/>
-              <a:t>Similarity measures given by algorithms for about 60% copied set of documents</a:t>
-            </a:r>
-          </a:p>
-          <a:p>
-            <a:pPr marL="393192" lvl="1" indent="0">
+            <a:endParaRPr lang="en-US" sz="3100" dirty="0" smtClean="0"/>
+          </a:p>
+          <a:p>
+            <a:pPr marL="0" indent="0">
               <a:buNone/>
             </a:pPr>
             <a:r>
-              <a:rPr lang="en-US" sz="2200" dirty="0"/>
-              <a:t/>
-            </a:r>
-            <a:br>
-              <a:rPr lang="en-US" sz="2200" dirty="0"/>
-            </a:br>
-            <a:endParaRPr lang="en-US" sz="2200" dirty="0"/>
-          </a:p>
-          <a:p>
-            <a:endParaRPr lang="en-US" sz="5500" dirty="0"/>
-          </a:p>
-          <a:p>
-            <a:endParaRPr lang="en-US" dirty="0"/>
-          </a:p>
-          <a:p>
-            <a:endParaRPr lang="en-US" dirty="0"/>
-          </a:p>
-          <a:p>
-            <a:endParaRPr lang="en-US" dirty="0"/>
+              <a:rPr lang="en-US" sz="9600" b="1" dirty="0" smtClean="0"/>
+              <a:t>Copy - Paste Detection</a:t>
+            </a:r>
+            <a:endParaRPr lang="en-US" sz="11200" dirty="0" smtClean="0"/>
+          </a:p>
+          <a:p>
+            <a:r>
+              <a:rPr lang="en-US" sz="9600" dirty="0" smtClean="0"/>
+              <a:t>Textual </a:t>
+            </a:r>
+            <a:r>
+              <a:rPr lang="en-US" sz="9600" dirty="0"/>
+              <a:t>Comparison Algorithms</a:t>
+            </a:r>
+          </a:p>
+          <a:p>
+            <a:pPr lvl="1">
+              <a:lnSpc>
+                <a:spcPct val="220000"/>
+              </a:lnSpc>
+            </a:pPr>
+            <a:r>
+              <a:rPr lang="en-US" sz="9600" dirty="0"/>
+              <a:t>Cosine Similarity</a:t>
+            </a:r>
+          </a:p>
+          <a:p>
+            <a:pPr lvl="1">
+              <a:lnSpc>
+                <a:spcPct val="220000"/>
+              </a:lnSpc>
+            </a:pPr>
+            <a:r>
+              <a:rPr lang="en-US" sz="9600" dirty="0"/>
+              <a:t>Euclidean Distance</a:t>
+            </a:r>
+          </a:p>
+          <a:p>
+            <a:pPr lvl="1">
+              <a:lnSpc>
+                <a:spcPct val="220000"/>
+              </a:lnSpc>
+            </a:pPr>
+            <a:r>
+              <a:rPr lang="en-US" sz="9600" dirty="0"/>
+              <a:t>Greedy String Tiling</a:t>
+            </a:r>
+          </a:p>
+          <a:p>
+            <a:pPr lvl="1">
+              <a:lnSpc>
+                <a:spcPct val="220000"/>
+              </a:lnSpc>
+            </a:pPr>
+            <a:r>
+              <a:rPr lang="en-US" sz="9600" dirty="0"/>
+              <a:t>ShingleCloud </a:t>
+            </a:r>
+          </a:p>
+          <a:p>
+            <a:endParaRPr lang="en-US" sz="5500" dirty="0" smtClean="0"/>
+          </a:p>
+          <a:p>
+            <a:endParaRPr lang="en-US" dirty="0" smtClean="0"/>
+          </a:p>
+          <a:p>
+            <a:endParaRPr lang="en-US" dirty="0" smtClean="0"/>
+          </a:p>
+          <a:p>
+            <a:endParaRPr lang="en-US" dirty="0" smtClean="0"/>
           </a:p>
           <a:p>
             <a:pPr lvl="1">
               <a:buNone/>
             </a:pPr>
             <a:r>
-              <a:rPr lang="en-US" sz="2000" dirty="0"/>
+              <a:rPr lang="en-US" sz="2000" dirty="0" smtClean="0"/>
               <a:t>		</a:t>
             </a:r>
-            <a:endParaRPr lang="en-US" dirty="0"/>
-          </a:p>
-          <a:p>
-            <a:pPr>
-              <a:buNone/>
-            </a:pPr>
-            <a:r>
-              <a:rPr lang="en-US" dirty="0"/>
-              <a:t>			</a:t>
-            </a:r>
-          </a:p>
-          <a:p>
-            <a:endParaRPr lang="en-US" sz="3100" dirty="0" smtClean="0"/>
+            <a:endParaRPr lang="en-US" dirty="0" smtClean="0"/>
           </a:p>
           <a:p>
             <a:pPr>
@@ -21375,32 +22012,10 @@
           </a:p>
         </p:txBody>
       </p:sp>
-      <p:graphicFrame>
-        <p:nvGraphicFramePr>
-          <p:cNvPr id="5" name="Chart 4"/>
-          <p:cNvGraphicFramePr/>
-          <p:nvPr>
-            <p:extLst>
-              <p:ext uri="{D42A27DB-BD31-4B8C-83A1-F6EECF244321}">
-                <p14:modId xmlns:p14="http://schemas.microsoft.com/office/powerpoint/2010/main" val="700464656"/>
-              </p:ext>
-            </p:extLst>
-          </p:nvPr>
-        </p:nvGraphicFramePr>
-        <p:xfrm>
-          <a:off x="1447800" y="3200400"/>
-          <a:ext cx="5600700" cy="2971800"/>
-        </p:xfrm>
-        <a:graphic>
-          <a:graphicData uri="http://schemas.openxmlformats.org/drawingml/2006/chart">
-            <c:chart xmlns:c="http://schemas.openxmlformats.org/drawingml/2006/chart" xmlns:r="http://schemas.openxmlformats.org/officeDocument/2006/relationships" r:id="rId2"/>
-          </a:graphicData>
-        </a:graphic>
-      </p:graphicFrame>
     </p:spTree>
     <p:extLst>
       <p:ext uri="{BB962C8B-B14F-4D97-AF65-F5344CB8AC3E}">
-        <p14:creationId xmlns:p14="http://schemas.microsoft.com/office/powerpoint/2010/main" val="1821353279"/>
+        <p14:creationId xmlns:p14="http://schemas.microsoft.com/office/powerpoint/2010/main" val="3389642042"/>
       </p:ext>
     </p:extLst>
   </p:cSld>
@@ -21444,7 +22059,12 @@
             <p:ph type="title"/>
           </p:nvPr>
         </p:nvSpPr>
-        <p:spPr/>
+        <p:spPr>
+          <a:xfrm>
+            <a:off x="304800" y="685800"/>
+            <a:ext cx="8229600" cy="1143000"/>
+          </a:xfrm>
+        </p:spPr>
         <p:txBody>
           <a:bodyPr>
             <a:normAutofit/>
@@ -21477,71 +22097,76 @@
         </p:spPr>
         <p:txBody>
           <a:bodyPr>
-            <a:normAutofit fontScale="25000" lnSpcReduction="20000"/>
+            <a:normAutofit fontScale="85000" lnSpcReduction="20000"/>
           </a:bodyPr>
           <a:lstStyle/>
+          <a:p>
+            <a:r>
+              <a:rPr lang="en-US" sz="2800" dirty="0"/>
+              <a:t>Textual Similarity Algorithm Comparison</a:t>
+            </a:r>
+          </a:p>
+          <a:p>
+            <a:pPr lvl="1"/>
+            <a:r>
+              <a:rPr lang="en-US" sz="2800" dirty="0"/>
+              <a:t>Similarity measures given by algorithms for about 60% copied set of documents</a:t>
+            </a:r>
+          </a:p>
+          <a:p>
+            <a:pPr marL="393192" lvl="1" indent="0">
+              <a:buNone/>
+            </a:pPr>
+            <a:r>
+              <a:rPr lang="en-US" sz="2200" dirty="0"/>
+              <a:t/>
+            </a:r>
+            <a:br>
+              <a:rPr lang="en-US" sz="2200" dirty="0"/>
+            </a:br>
+            <a:endParaRPr lang="en-US" sz="2200" dirty="0"/>
+          </a:p>
+          <a:p>
+            <a:endParaRPr lang="en-US" sz="5500" dirty="0"/>
+          </a:p>
+          <a:p>
+            <a:endParaRPr lang="en-US" dirty="0"/>
+          </a:p>
+          <a:p>
+            <a:endParaRPr lang="en-US" dirty="0"/>
+          </a:p>
+          <a:p>
+            <a:endParaRPr lang="en-US" dirty="0"/>
+          </a:p>
           <a:p>
             <a:pPr lvl="1">
               <a:buNone/>
             </a:pPr>
             <a:r>
-              <a:rPr lang="en-US" sz="2000" dirty="0" smtClean="0"/>
+              <a:rPr lang="en-US" sz="2000" dirty="0"/>
               <a:t>		</a:t>
             </a:r>
-            <a:endParaRPr lang="en-US" dirty="0" smtClean="0"/>
-          </a:p>
-          <a:p>
-            <a:r>
-              <a:rPr lang="en-US" sz="12800" dirty="0" smtClean="0"/>
-              <a:t>ShingleCloud </a:t>
-            </a:r>
-            <a:r>
-              <a:rPr lang="en-US" sz="12800" dirty="0"/>
-              <a:t>Algorithm</a:t>
-            </a:r>
-          </a:p>
-          <a:p>
-            <a:pPr lvl="1"/>
-            <a:r>
-              <a:rPr lang="en-US" sz="12800" dirty="0"/>
-              <a:t>N-Gram overlap text comparison</a:t>
-            </a:r>
-          </a:p>
-          <a:p>
-            <a:pPr lvl="1"/>
-            <a:r>
-              <a:rPr lang="en-US" sz="12800" dirty="0"/>
-              <a:t>Needle and Haystack strings</a:t>
-            </a:r>
-          </a:p>
-          <a:p>
-            <a:pPr lvl="1"/>
-            <a:r>
-              <a:rPr lang="en-US" sz="12800" dirty="0"/>
-              <a:t>Extract shingles from needle and haystack using sliding window approach</a:t>
-            </a:r>
-          </a:p>
-          <a:p>
-            <a:pPr lvl="1"/>
-            <a:r>
-              <a:rPr lang="en-US" sz="12800" dirty="0"/>
-              <a:t>Generating a bit string according to shingle existence in needle and haystack</a:t>
-            </a:r>
-          </a:p>
-          <a:p>
-            <a:pPr lvl="1"/>
-            <a:r>
-              <a:rPr lang="en-US" sz="12800" dirty="0"/>
-              <a:t>Extract matching shingles from the bit string</a:t>
-            </a:r>
+            <a:endParaRPr lang="en-US" dirty="0"/>
           </a:p>
           <a:p>
             <a:pPr>
               <a:buNone/>
             </a:pPr>
             <a:r>
+              <a:rPr lang="en-US" dirty="0"/>
+              <a:t>			</a:t>
+            </a:r>
+          </a:p>
+          <a:p>
+            <a:endParaRPr lang="en-US" sz="3100" dirty="0" smtClean="0"/>
+          </a:p>
+          <a:p>
+            <a:pPr>
+              <a:buNone/>
+            </a:pPr>
+            <a:r>
               <a:rPr lang="en-US" dirty="0" smtClean="0"/>
-              <a:t>	</a:t>
+              <a:t>			</a:t>
             </a:r>
           </a:p>
           <a:p>
@@ -21555,10 +22180,32 @@
           </a:p>
         </p:txBody>
       </p:sp>
+      <p:graphicFrame>
+        <p:nvGraphicFramePr>
+          <p:cNvPr id="5" name="Chart 4"/>
+          <p:cNvGraphicFramePr/>
+          <p:nvPr>
+            <p:extLst>
+              <p:ext uri="{D42A27DB-BD31-4B8C-83A1-F6EECF244321}">
+                <p14:modId xmlns:p14="http://schemas.microsoft.com/office/powerpoint/2010/main" val="700464656"/>
+              </p:ext>
+            </p:extLst>
+          </p:nvPr>
+        </p:nvGraphicFramePr>
+        <p:xfrm>
+          <a:off x="1447800" y="3200400"/>
+          <a:ext cx="5600700" cy="2971800"/>
+        </p:xfrm>
+        <a:graphic>
+          <a:graphicData uri="http://schemas.openxmlformats.org/drawingml/2006/chart">
+            <c:chart xmlns:c="http://schemas.openxmlformats.org/drawingml/2006/chart" xmlns:r="http://schemas.openxmlformats.org/officeDocument/2006/relationships" r:id="rId2"/>
+          </a:graphicData>
+        </a:graphic>
+      </p:graphicFrame>
     </p:spTree>
     <p:extLst>
       <p:ext uri="{BB962C8B-B14F-4D97-AF65-F5344CB8AC3E}">
-        <p14:creationId xmlns:p14="http://schemas.microsoft.com/office/powerpoint/2010/main" val="282415467"/>
+        <p14:creationId xmlns:p14="http://schemas.microsoft.com/office/powerpoint/2010/main" val="1821353279"/>
       </p:ext>
     </p:extLst>
   </p:cSld>
@@ -21635,46 +22282,9 @@
         </p:spPr>
         <p:txBody>
           <a:bodyPr>
-            <a:normAutofit fontScale="40000" lnSpcReduction="20000"/>
+            <a:normAutofit fontScale="25000" lnSpcReduction="20000"/>
           </a:bodyPr>
           <a:lstStyle/>
-          <a:p>
-            <a:r>
-              <a:rPr lang="en-US" sz="8600" dirty="0" smtClean="0"/>
-              <a:t>Selecting N-Gram Size</a:t>
-            </a:r>
-          </a:p>
-          <a:p>
-            <a:endParaRPr lang="en-US" sz="12800" dirty="0" smtClean="0"/>
-          </a:p>
-          <a:p>
-            <a:pPr marL="393192" lvl="1" indent="0">
-              <a:buNone/>
-            </a:pPr>
-            <a:endParaRPr lang="en-US" sz="12800" dirty="0" smtClean="0"/>
-          </a:p>
-          <a:p>
-            <a:pPr lvl="1"/>
-            <a:endParaRPr lang="en-US" sz="8600" dirty="0" smtClean="0"/>
-          </a:p>
-          <a:p>
-            <a:endParaRPr lang="en-US" sz="8600" dirty="0" smtClean="0"/>
-          </a:p>
-          <a:p>
-            <a:endParaRPr lang="en-US" sz="5500" dirty="0" smtClean="0"/>
-          </a:p>
-          <a:p>
-            <a:endParaRPr lang="en-US" sz="5500" dirty="0" smtClean="0"/>
-          </a:p>
-          <a:p>
-            <a:endParaRPr lang="en-US" dirty="0" smtClean="0"/>
-          </a:p>
-          <a:p>
-            <a:endParaRPr lang="en-US" dirty="0" smtClean="0"/>
-          </a:p>
-          <a:p>
-            <a:endParaRPr lang="en-US" dirty="0" smtClean="0"/>
-          </a:p>
           <a:p>
             <a:pPr lvl="1">
               <a:buNone/>
@@ -21686,12 +22296,57 @@
             <a:endParaRPr lang="en-US" dirty="0" smtClean="0"/>
           </a:p>
           <a:p>
+            <a:r>
+              <a:rPr lang="en-US" sz="12800" dirty="0" smtClean="0"/>
+              <a:t>ShingleCloud </a:t>
+            </a:r>
+            <a:r>
+              <a:rPr lang="en-US" sz="12800" dirty="0"/>
+              <a:t>Algorithm</a:t>
+            </a:r>
+          </a:p>
+          <a:p>
+            <a:pPr lvl="1"/>
+            <a:r>
+              <a:rPr lang="en-US" sz="12800" dirty="0"/>
+              <a:t>N-Gram overlap text comparison</a:t>
+            </a:r>
+          </a:p>
+          <a:p>
+            <a:pPr lvl="1"/>
+            <a:r>
+              <a:rPr lang="en-US" sz="12800" dirty="0"/>
+              <a:t>Needle and Haystack strings</a:t>
+            </a:r>
+          </a:p>
+          <a:p>
+            <a:pPr lvl="1"/>
+            <a:r>
+              <a:rPr lang="en-US" sz="12800" dirty="0"/>
+              <a:t>Extract shingles from needle and haystack using sliding window approach</a:t>
+            </a:r>
+          </a:p>
+          <a:p>
+            <a:pPr lvl="1"/>
+            <a:r>
+              <a:rPr lang="en-US" sz="12800" dirty="0"/>
+              <a:t>Generating a bit string according to shingle existence in needle and haystack</a:t>
+            </a:r>
+          </a:p>
+          <a:p>
+            <a:pPr lvl="1"/>
+            <a:r>
+              <a:rPr lang="en-US" sz="12800" dirty="0"/>
+              <a:t>Extract matching shingles from the bit string</a:t>
+            </a:r>
+          </a:p>
+          <a:p>
             <a:pPr>
               <a:buNone/>
             </a:pPr>
             <a:r>
               <a:rPr lang="en-US" dirty="0" smtClean="0"/>
-              <a:t>			</a:t>
+              <a:t>	</a:t>
             </a:r>
           </a:p>
           <a:p>
@@ -21705,32 +22360,10 @@
           </a:p>
         </p:txBody>
       </p:sp>
-      <p:graphicFrame>
-        <p:nvGraphicFramePr>
-          <p:cNvPr id="5" name="Chart 4"/>
-          <p:cNvGraphicFramePr/>
-          <p:nvPr>
-            <p:extLst>
-              <p:ext uri="{D42A27DB-BD31-4B8C-83A1-F6EECF244321}">
-                <p14:modId xmlns:p14="http://schemas.microsoft.com/office/powerpoint/2010/main" val="3425255459"/>
-              </p:ext>
-            </p:extLst>
-          </p:nvPr>
-        </p:nvGraphicFramePr>
-        <p:xfrm>
-          <a:off x="1143000" y="2895600"/>
-          <a:ext cx="6400800" cy="3223260"/>
-        </p:xfrm>
-        <a:graphic>
-          <a:graphicData uri="http://schemas.openxmlformats.org/drawingml/2006/chart">
-            <c:chart xmlns:c="http://schemas.openxmlformats.org/drawingml/2006/chart" xmlns:r="http://schemas.openxmlformats.org/officeDocument/2006/relationships" r:id="rId2"/>
-          </a:graphicData>
-        </a:graphic>
-      </p:graphicFrame>
     </p:spTree>
     <p:extLst>
       <p:ext uri="{BB962C8B-B14F-4D97-AF65-F5344CB8AC3E}">
-        <p14:creationId xmlns:p14="http://schemas.microsoft.com/office/powerpoint/2010/main" val="2051615221"/>
+        <p14:creationId xmlns:p14="http://schemas.microsoft.com/office/powerpoint/2010/main" val="282415467"/>
       </p:ext>
     </p:extLst>
   </p:cSld>
@@ -21807,6 +22440,178 @@
         </p:spPr>
         <p:txBody>
           <a:bodyPr>
+            <a:normAutofit fontScale="40000" lnSpcReduction="20000"/>
+          </a:bodyPr>
+          <a:lstStyle/>
+          <a:p>
+            <a:r>
+              <a:rPr lang="en-US" sz="8600" dirty="0" smtClean="0"/>
+              <a:t>Selecting N-Gram Size</a:t>
+            </a:r>
+          </a:p>
+          <a:p>
+            <a:endParaRPr lang="en-US" sz="12800" dirty="0" smtClean="0"/>
+          </a:p>
+          <a:p>
+            <a:pPr marL="393192" lvl="1" indent="0">
+              <a:buNone/>
+            </a:pPr>
+            <a:endParaRPr lang="en-US" sz="12800" dirty="0" smtClean="0"/>
+          </a:p>
+          <a:p>
+            <a:pPr lvl="1"/>
+            <a:endParaRPr lang="en-US" sz="8600" dirty="0" smtClean="0"/>
+          </a:p>
+          <a:p>
+            <a:endParaRPr lang="en-US" sz="8600" dirty="0" smtClean="0"/>
+          </a:p>
+          <a:p>
+            <a:endParaRPr lang="en-US" sz="5500" dirty="0" smtClean="0"/>
+          </a:p>
+          <a:p>
+            <a:endParaRPr lang="en-US" sz="5500" dirty="0" smtClean="0"/>
+          </a:p>
+          <a:p>
+            <a:endParaRPr lang="en-US" dirty="0" smtClean="0"/>
+          </a:p>
+          <a:p>
+            <a:endParaRPr lang="en-US" dirty="0" smtClean="0"/>
+          </a:p>
+          <a:p>
+            <a:endParaRPr lang="en-US" dirty="0" smtClean="0"/>
+          </a:p>
+          <a:p>
+            <a:pPr lvl="1">
+              <a:buNone/>
+            </a:pPr>
+            <a:r>
+              <a:rPr lang="en-US" sz="2000" dirty="0" smtClean="0"/>
+              <a:t>		</a:t>
+            </a:r>
+            <a:endParaRPr lang="en-US" dirty="0" smtClean="0"/>
+          </a:p>
+          <a:p>
+            <a:pPr>
+              <a:buNone/>
+            </a:pPr>
+            <a:r>
+              <a:rPr lang="en-US" dirty="0" smtClean="0"/>
+              <a:t>			</a:t>
+            </a:r>
+          </a:p>
+          <a:p>
+            <a:endParaRPr lang="en-US" dirty="0" smtClean="0"/>
+          </a:p>
+          <a:p>
+            <a:pPr lvl="2">
+              <a:buNone/>
+            </a:pPr>
+            <a:endParaRPr lang="en-US" dirty="0"/>
+          </a:p>
+        </p:txBody>
+      </p:sp>
+      <p:graphicFrame>
+        <p:nvGraphicFramePr>
+          <p:cNvPr id="5" name="Chart 4"/>
+          <p:cNvGraphicFramePr/>
+          <p:nvPr>
+            <p:extLst>
+              <p:ext uri="{D42A27DB-BD31-4B8C-83A1-F6EECF244321}">
+                <p14:modId xmlns:p14="http://schemas.microsoft.com/office/powerpoint/2010/main" val="3425255459"/>
+              </p:ext>
+            </p:extLst>
+          </p:nvPr>
+        </p:nvGraphicFramePr>
+        <p:xfrm>
+          <a:off x="1143000" y="2895600"/>
+          <a:ext cx="6400800" cy="3223260"/>
+        </p:xfrm>
+        <a:graphic>
+          <a:graphicData uri="http://schemas.openxmlformats.org/drawingml/2006/chart">
+            <c:chart xmlns:c="http://schemas.openxmlformats.org/drawingml/2006/chart" xmlns:r="http://schemas.openxmlformats.org/officeDocument/2006/relationships" r:id="rId2"/>
+          </a:graphicData>
+        </a:graphic>
+      </p:graphicFrame>
+    </p:spTree>
+    <p:extLst>
+      <p:ext uri="{BB962C8B-B14F-4D97-AF65-F5344CB8AC3E}">
+        <p14:creationId xmlns:p14="http://schemas.microsoft.com/office/powerpoint/2010/main" val="2051615221"/>
+      </p:ext>
+    </p:extLst>
+  </p:cSld>
+  <p:clrMapOvr>
+    <a:masterClrMapping/>
+  </p:clrMapOvr>
+  <p:timing>
+    <p:tnLst>
+      <p:par>
+        <p:cTn id="1" dur="indefinite" restart="never" nodeType="tmRoot"/>
+      </p:par>
+    </p:tnLst>
+  </p:timing>
+</p:sld>
+</file>
+
+<file path=ppt/slides/slide34.xml><?xml version="1.0" encoding="utf-8"?>
+<p:sld xmlns:a="http://schemas.openxmlformats.org/drawingml/2006/main" xmlns:r="http://schemas.openxmlformats.org/officeDocument/2006/relationships" xmlns:p="http://schemas.openxmlformats.org/presentationml/2006/main">
+  <p:cSld>
+    <p:spTree>
+      <p:nvGrpSpPr>
+        <p:cNvPr id="1" name=""/>
+        <p:cNvGrpSpPr/>
+        <p:nvPr/>
+      </p:nvGrpSpPr>
+      <p:grpSpPr>
+        <a:xfrm>
+          <a:off x="0" y="0"/>
+          <a:ext cx="0" cy="0"/>
+          <a:chOff x="0" y="0"/>
+          <a:chExt cx="0" cy="0"/>
+        </a:xfrm>
+      </p:grpSpPr>
+      <p:sp>
+        <p:nvSpPr>
+          <p:cNvPr id="2" name="Title 1"/>
+          <p:cNvSpPr>
+            <a:spLocks noGrp="1"/>
+          </p:cNvSpPr>
+          <p:nvPr>
+            <p:ph type="title"/>
+          </p:nvPr>
+        </p:nvSpPr>
+        <p:spPr/>
+        <p:txBody>
+          <a:bodyPr>
+            <a:normAutofit/>
+          </a:bodyPr>
+          <a:lstStyle/>
+          <a:p>
+            <a:pPr algn="ctr"/>
+            <a:r>
+              <a:rPr lang="en-US" dirty="0"/>
+              <a:t>Matching Engine R&amp;D</a:t>
+            </a:r>
+          </a:p>
+        </p:txBody>
+      </p:sp>
+      <p:sp>
+        <p:nvSpPr>
+          <p:cNvPr id="3" name="Content Placeholder 2"/>
+          <p:cNvSpPr>
+            <a:spLocks noGrp="1"/>
+          </p:cNvSpPr>
+          <p:nvPr>
+            <p:ph idx="1"/>
+          </p:nvPr>
+        </p:nvSpPr>
+        <p:spPr>
+          <a:xfrm>
+            <a:off x="457200" y="1935480"/>
+            <a:ext cx="8229600" cy="4693920"/>
+          </a:xfrm>
+        </p:spPr>
+        <p:txBody>
+          <a:bodyPr>
             <a:normAutofit fontScale="32500" lnSpcReduction="20000"/>
           </a:bodyPr>
           <a:lstStyle/>
@@ -21919,7 +22724,7 @@
 </p:sld>
 </file>
 
-<file path=ppt/slides/slide34.xml><?xml version="1.0" encoding="utf-8"?>
+<file path=ppt/slides/slide35.xml><?xml version="1.0" encoding="utf-8"?>
 <p:sld xmlns:a="http://schemas.openxmlformats.org/drawingml/2006/main" xmlns:r="http://schemas.openxmlformats.org/officeDocument/2006/relationships" xmlns:p="http://schemas.openxmlformats.org/presentationml/2006/main">
   <p:cSld>
     <p:spTree>
@@ -23535,7 +24340,7 @@
 </p:sld>
 </file>
 
-<file path=ppt/slides/slide35.xml><?xml version="1.0" encoding="utf-8"?>
+<file path=ppt/slides/slide36.xml><?xml version="1.0" encoding="utf-8"?>
 <p:sld xmlns:a="http://schemas.openxmlformats.org/drawingml/2006/main" xmlns:r="http://schemas.openxmlformats.org/officeDocument/2006/relationships" xmlns:p="http://schemas.openxmlformats.org/presentationml/2006/main">
   <p:cSld>
     <p:spTree>
@@ -23814,143 +24619,6 @@
     <p:extLst>
       <p:ext uri="{BB962C8B-B14F-4D97-AF65-F5344CB8AC3E}">
         <p14:creationId xmlns:p14="http://schemas.microsoft.com/office/powerpoint/2010/main" val="2276341562"/>
-      </p:ext>
-    </p:extLst>
-  </p:cSld>
-  <p:clrMapOvr>
-    <a:masterClrMapping/>
-  </p:clrMapOvr>
-  <p:timing>
-    <p:tnLst>
-      <p:par>
-        <p:cTn id="1" dur="indefinite" restart="never" nodeType="tmRoot"/>
-      </p:par>
-    </p:tnLst>
-  </p:timing>
-</p:sld>
-</file>
-
-<file path=ppt/slides/slide36.xml><?xml version="1.0" encoding="utf-8"?>
-<p:sld xmlns:a="http://schemas.openxmlformats.org/drawingml/2006/main" xmlns:r="http://schemas.openxmlformats.org/officeDocument/2006/relationships" xmlns:p="http://schemas.openxmlformats.org/presentationml/2006/main">
-  <p:cSld>
-    <p:spTree>
-      <p:nvGrpSpPr>
-        <p:cNvPr id="1" name=""/>
-        <p:cNvGrpSpPr/>
-        <p:nvPr/>
-      </p:nvGrpSpPr>
-      <p:grpSpPr>
-        <a:xfrm>
-          <a:off x="0" y="0"/>
-          <a:ext cx="0" cy="0"/>
-          <a:chOff x="0" y="0"/>
-          <a:chExt cx="0" cy="0"/>
-        </a:xfrm>
-      </p:grpSpPr>
-      <p:sp>
-        <p:nvSpPr>
-          <p:cNvPr id="2" name="Title 1"/>
-          <p:cNvSpPr>
-            <a:spLocks noGrp="1"/>
-          </p:cNvSpPr>
-          <p:nvPr>
-            <p:ph type="title"/>
-          </p:nvPr>
-        </p:nvSpPr>
-        <p:spPr/>
-        <p:txBody>
-          <a:bodyPr/>
-          <a:lstStyle/>
-          <a:p>
-            <a:pPr algn="ctr"/>
-            <a:r>
-              <a:rPr lang="en-US" dirty="0"/>
-              <a:t>Reporting Module R&amp;D</a:t>
-            </a:r>
-          </a:p>
-        </p:txBody>
-      </p:sp>
-      <p:sp>
-        <p:nvSpPr>
-          <p:cNvPr id="3" name="Content Placeholder 2"/>
-          <p:cNvSpPr>
-            <a:spLocks noGrp="1"/>
-          </p:cNvSpPr>
-          <p:nvPr>
-            <p:ph idx="1"/>
-          </p:nvPr>
-        </p:nvSpPr>
-        <p:spPr/>
-        <p:txBody>
-          <a:bodyPr/>
-          <a:lstStyle/>
-          <a:p>
-            <a:pPr>
-              <a:buFont typeface="Arial" pitchFamily="34" charset="0"/>
-              <a:buChar char="•"/>
-            </a:pPr>
-            <a:r>
-              <a:rPr lang="en-US" dirty="0" smtClean="0"/>
-              <a:t>Main APIs Used</a:t>
-            </a:r>
-          </a:p>
-          <a:p>
-            <a:pPr lvl="1"/>
-            <a:r>
-              <a:rPr lang="en-US" dirty="0" smtClean="0"/>
-              <a:t>Java Highlighter</a:t>
-            </a:r>
-          </a:p>
-          <a:p>
-            <a:pPr lvl="1"/>
-            <a:r>
-              <a:rPr lang="en-US" dirty="0" smtClean="0"/>
-              <a:t>Java Style Document</a:t>
-            </a:r>
-          </a:p>
-          <a:p>
-            <a:pPr lvl="1"/>
-            <a:r>
-              <a:rPr lang="en-US" dirty="0" smtClean="0"/>
-              <a:t>Jasper Reports</a:t>
-            </a:r>
-          </a:p>
-          <a:p>
-            <a:pPr lvl="1"/>
-            <a:r>
-              <a:rPr lang="en-US" dirty="0" smtClean="0"/>
-              <a:t>JUNG(Java Universal Network/Graph)</a:t>
-            </a:r>
-          </a:p>
-          <a:p>
-            <a:pPr lvl="1"/>
-            <a:r>
-              <a:rPr lang="en-US" dirty="0" smtClean="0"/>
-              <a:t>Java Regular Expression Pattern Matching</a:t>
-            </a:r>
-          </a:p>
-          <a:p>
-            <a:pPr lvl="1"/>
-            <a:r>
-              <a:rPr lang="en-US" dirty="0" smtClean="0"/>
-              <a:t>Java Collections and Generics </a:t>
-            </a:r>
-          </a:p>
-          <a:p>
-            <a:pPr marL="365760" lvl="1" indent="0">
-              <a:buNone/>
-            </a:pPr>
-            <a:r>
-              <a:rPr lang="en-US" dirty="0"/>
-              <a:t>	</a:t>
-            </a:r>
-          </a:p>
-        </p:txBody>
-      </p:sp>
-    </p:spTree>
-    <p:extLst>
-      <p:ext uri="{BB962C8B-B14F-4D97-AF65-F5344CB8AC3E}">
-        <p14:creationId xmlns:p14="http://schemas.microsoft.com/office/powerpoint/2010/main" val="797423083"/>
       </p:ext>
     </p:extLst>
   </p:cSld>
@@ -23999,11 +24667,11 @@
           <a:bodyPr/>
           <a:lstStyle/>
           <a:p>
-            <a:r>
-              <a:rPr lang="en-US" dirty="0" smtClean="0"/>
-              <a:t>Test Document Corpuses</a:t>
-            </a:r>
-            <a:endParaRPr lang="en-US" dirty="0"/>
+            <a:pPr algn="ctr"/>
+            <a:r>
+              <a:rPr lang="en-US" dirty="0"/>
+              <a:t>Reporting Module R&amp;D</a:t>
+            </a:r>
           </a:p>
         </p:txBody>
       </p:sp>
@@ -24022,55 +24690,72 @@
           <a:bodyPr/>
           <a:lstStyle/>
           <a:p>
-            <a:r>
-              <a:rPr lang="en-US" sz="2800" dirty="0"/>
-              <a:t>PAN plagiarism detection corpus</a:t>
-            </a:r>
-          </a:p>
-          <a:p>
-            <a:r>
-              <a:rPr lang="en-US" sz="2800" dirty="0"/>
-              <a:t>Student assignments of University of Moratuwa Department of Computer Science &amp; Engineering</a:t>
-            </a:r>
-          </a:p>
-          <a:p>
-            <a:pPr algn="just"/>
-            <a:r>
-              <a:rPr lang="en-US" sz="2800" dirty="0"/>
-              <a:t>A Corpus of </a:t>
-            </a:r>
-            <a:r>
-              <a:rPr lang="en-US" sz="2800" dirty="0" smtClean="0"/>
-              <a:t>Plagiarized </a:t>
-            </a:r>
-            <a:r>
-              <a:rPr lang="en-US" sz="2800" dirty="0"/>
-              <a:t>Short </a:t>
-            </a:r>
-            <a:r>
-              <a:rPr lang="en-US" sz="2800" dirty="0" smtClean="0"/>
-              <a:t>Answers </a:t>
-            </a:r>
-            <a:r>
-              <a:rPr lang="en-US" sz="2800" dirty="0"/>
-              <a:t>Created by Paul Clough (Information Studies) and Mark Stevenson (Computer Science), University of </a:t>
-            </a:r>
-            <a:r>
-              <a:rPr lang="en-US" sz="2800" dirty="0" smtClean="0"/>
-              <a:t>Sheffield</a:t>
-            </a:r>
+            <a:pPr>
+              <a:buFont typeface="Arial" pitchFamily="34" charset="0"/>
+              <a:buChar char="•"/>
+            </a:pPr>
             <a:r>
               <a:rPr lang="en-US" dirty="0" smtClean="0"/>
-              <a:t>.</a:t>
-            </a:r>
-            <a:endParaRPr lang="en-US" dirty="0"/>
+              <a:t>Main APIs Used</a:t>
+            </a:r>
+          </a:p>
+          <a:p>
+            <a:pPr lvl="1"/>
+            <a:r>
+              <a:rPr lang="en-US" dirty="0" smtClean="0"/>
+              <a:t>Java Highlighter</a:t>
+            </a:r>
+          </a:p>
+          <a:p>
+            <a:pPr lvl="1"/>
+            <a:r>
+              <a:rPr lang="en-US" dirty="0" smtClean="0"/>
+              <a:t>Java Style Document</a:t>
+            </a:r>
+          </a:p>
+          <a:p>
+            <a:pPr lvl="1"/>
+            <a:r>
+              <a:rPr lang="en-US" dirty="0" smtClean="0"/>
+              <a:t>Jasper Reports</a:t>
+            </a:r>
+          </a:p>
+          <a:p>
+            <a:pPr lvl="1"/>
+            <a:r>
+              <a:rPr lang="en-US" dirty="0" smtClean="0"/>
+              <a:t>JUNG(Java Universal Network/Graph)</a:t>
+            </a:r>
+          </a:p>
+          <a:p>
+            <a:pPr lvl="1"/>
+            <a:r>
+              <a:rPr lang="en-US" dirty="0" smtClean="0"/>
+              <a:t>Java Regular Expression Pattern Matching</a:t>
+            </a:r>
+          </a:p>
+          <a:p>
+            <a:pPr lvl="1"/>
+            <a:r>
+              <a:rPr lang="en-US" dirty="0" smtClean="0"/>
+              <a:t>Java Collections and Generics </a:t>
+            </a:r>
+          </a:p>
+          <a:p>
+            <a:pPr marL="365760" lvl="1" indent="0">
+              <a:buNone/>
+            </a:pPr>
+            <a:r>
+              <a:rPr lang="en-US" dirty="0"/>
+              <a:t>	</a:t>
+            </a:r>
           </a:p>
         </p:txBody>
       </p:sp>
     </p:spTree>
     <p:extLst>
       <p:ext uri="{BB962C8B-B14F-4D97-AF65-F5344CB8AC3E}">
-        <p14:creationId xmlns:p14="http://schemas.microsoft.com/office/powerpoint/2010/main" val="3707862571"/>
+        <p14:creationId xmlns:p14="http://schemas.microsoft.com/office/powerpoint/2010/main" val="797423083"/>
       </p:ext>
     </p:extLst>
   </p:cSld>
@@ -24106,6 +24791,29 @@
       </p:grpSpPr>
       <p:sp>
         <p:nvSpPr>
+          <p:cNvPr id="2" name="Title 1"/>
+          <p:cNvSpPr>
+            <a:spLocks noGrp="1"/>
+          </p:cNvSpPr>
+          <p:nvPr>
+            <p:ph type="title"/>
+          </p:nvPr>
+        </p:nvSpPr>
+        <p:spPr/>
+        <p:txBody>
+          <a:bodyPr/>
+          <a:lstStyle/>
+          <a:p>
+            <a:r>
+              <a:rPr lang="en-US" dirty="0" smtClean="0"/>
+              <a:t>Test Document Corpuses</a:t>
+            </a:r>
+            <a:endParaRPr lang="en-US" dirty="0"/>
+          </a:p>
+        </p:txBody>
+      </p:sp>
+      <p:sp>
+        <p:nvSpPr>
           <p:cNvPr id="3" name="Content Placeholder 2"/>
           <p:cNvSpPr>
             <a:spLocks noGrp="1"/>
@@ -24119,51 +24827,55 @@
           <a:bodyPr/>
           <a:lstStyle/>
           <a:p>
-            <a:pPr marL="0" indent="0" algn="ctr">
-              <a:buNone/>
-            </a:pPr>
-            <a:endParaRPr lang="en-US" dirty="0" smtClean="0"/>
-          </a:p>
-          <a:p>
-            <a:pPr marL="0" indent="0" algn="ctr">
-              <a:buNone/>
-            </a:pPr>
+            <a:r>
+              <a:rPr lang="en-US" sz="2800" dirty="0"/>
+              <a:t>PAN plagiarism detection corpus</a:t>
+            </a:r>
+          </a:p>
+          <a:p>
+            <a:r>
+              <a:rPr lang="en-US" sz="2800" dirty="0"/>
+              <a:t>Student assignments of University of Moratuwa Department of Computer Science &amp; Engineering</a:t>
+            </a:r>
+          </a:p>
+          <a:p>
+            <a:pPr algn="just"/>
+            <a:r>
+              <a:rPr lang="en-US" sz="2800" dirty="0"/>
+              <a:t>A Corpus of </a:t>
+            </a:r>
+            <a:r>
+              <a:rPr lang="en-US" sz="2800" dirty="0" smtClean="0"/>
+              <a:t>Plagiarized </a:t>
+            </a:r>
+            <a:r>
+              <a:rPr lang="en-US" sz="2800" dirty="0"/>
+              <a:t>Short </a:t>
+            </a:r>
+            <a:r>
+              <a:rPr lang="en-US" sz="2800" dirty="0" smtClean="0"/>
+              <a:t>Answers </a:t>
+            </a:r>
+            <a:r>
+              <a:rPr lang="en-US" sz="2800" dirty="0"/>
+              <a:t>Created by Paul Clough (Information Studies) and Mark Stevenson (Computer Science), University of </a:t>
+            </a:r>
+            <a:r>
+              <a:rPr lang="en-US" sz="2800" dirty="0" smtClean="0"/>
+              <a:t>Sheffield</a:t>
+            </a:r>
+            <a:r>
+              <a:rPr lang="en-US" dirty="0" smtClean="0"/>
+              <a:t>.</a:t>
+            </a:r>
             <a:endParaRPr lang="en-US" dirty="0"/>
-          </a:p>
-          <a:p>
-            <a:pPr marL="0" indent="0" algn="ctr">
-              <a:buNone/>
-            </a:pPr>
-            <a:endParaRPr lang="en-US" dirty="0" smtClean="0"/>
-          </a:p>
-          <a:p>
-            <a:pPr marL="0" indent="0" algn="ctr">
-              <a:buNone/>
-            </a:pPr>
-            <a:r>
-              <a:rPr lang="en-US" sz="4800" dirty="0" smtClean="0">
-                <a:solidFill>
-                  <a:schemeClr val="bg2">
-                    <a:lumMod val="50000"/>
-                  </a:schemeClr>
-                </a:solidFill>
-              </a:rPr>
-              <a:t>Q &amp; A</a:t>
-            </a:r>
-            <a:endParaRPr lang="en-US" sz="4800" dirty="0">
-              <a:solidFill>
-                <a:schemeClr val="bg2">
-                  <a:lumMod val="50000"/>
-                </a:schemeClr>
-              </a:solidFill>
-            </a:endParaRPr>
           </a:p>
         </p:txBody>
       </p:sp>
     </p:spTree>
     <p:extLst>
       <p:ext uri="{BB962C8B-B14F-4D97-AF65-F5344CB8AC3E}">
-        <p14:creationId xmlns:p14="http://schemas.microsoft.com/office/powerpoint/2010/main" val="419740049"/>
+        <p14:creationId xmlns:p14="http://schemas.microsoft.com/office/powerpoint/2010/main" val="3707862571"/>
       </p:ext>
     </p:extLst>
   </p:cSld>
@@ -24215,31 +24927,19 @@
             <a:pPr marL="0" indent="0" algn="ctr">
               <a:buNone/>
             </a:pPr>
-            <a:endParaRPr lang="en-US" sz="2800" dirty="0"/>
+            <a:endParaRPr lang="en-US" dirty="0" smtClean="0"/>
           </a:p>
           <a:p>
             <a:pPr marL="0" indent="0" algn="ctr">
               <a:buNone/>
             </a:pPr>
-            <a:endParaRPr lang="en-US" sz="2800" dirty="0" smtClean="0">
-              <a:solidFill>
-                <a:schemeClr val="bg2">
-                  <a:lumMod val="50000"/>
-                </a:schemeClr>
-              </a:solidFill>
-            </a:endParaRPr>
+            <a:endParaRPr lang="en-US" dirty="0"/>
           </a:p>
           <a:p>
             <a:pPr marL="0" indent="0" algn="ctr">
               <a:buNone/>
             </a:pPr>
-            <a:endParaRPr lang="en-US" sz="2800" dirty="0">
-              <a:solidFill>
-                <a:schemeClr val="bg2">
-                  <a:lumMod val="50000"/>
-                </a:schemeClr>
-              </a:solidFill>
-            </a:endParaRPr>
+            <a:endParaRPr lang="en-US" dirty="0" smtClean="0"/>
           </a:p>
           <a:p>
             <a:pPr marL="0" indent="0" algn="ctr">
@@ -24253,7 +24953,7 @@
                   </a:schemeClr>
                 </a:solidFill>
               </a:rPr>
-              <a:t>Thank You</a:t>
+              <a:t>Q &amp; A</a:t>
             </a:r>
             <a:endParaRPr lang="en-US" sz="4800" dirty="0">
               <a:solidFill>
@@ -24263,15 +24963,12 @@
               </a:solidFill>
             </a:endParaRPr>
           </a:p>
-          <a:p>
-            <a:endParaRPr lang="en-US" dirty="0"/>
-          </a:p>
         </p:txBody>
       </p:sp>
     </p:spTree>
     <p:extLst>
       <p:ext uri="{BB962C8B-B14F-4D97-AF65-F5344CB8AC3E}">
-        <p14:creationId xmlns:p14="http://schemas.microsoft.com/office/powerpoint/2010/main" val="1063697291"/>
+        <p14:creationId xmlns:p14="http://schemas.microsoft.com/office/powerpoint/2010/main" val="419740049"/>
       </p:ext>
     </p:extLst>
   </p:cSld>
@@ -24411,6 +25108,114 @@
 </p:sld>
 </file>
 
+<file path=ppt/slides/slide40.xml><?xml version="1.0" encoding="utf-8"?>
+<p:sld xmlns:a="http://schemas.openxmlformats.org/drawingml/2006/main" xmlns:r="http://schemas.openxmlformats.org/officeDocument/2006/relationships" xmlns:p="http://schemas.openxmlformats.org/presentationml/2006/main">
+  <p:cSld>
+    <p:spTree>
+      <p:nvGrpSpPr>
+        <p:cNvPr id="1" name=""/>
+        <p:cNvGrpSpPr/>
+        <p:nvPr/>
+      </p:nvGrpSpPr>
+      <p:grpSpPr>
+        <a:xfrm>
+          <a:off x="0" y="0"/>
+          <a:ext cx="0" cy="0"/>
+          <a:chOff x="0" y="0"/>
+          <a:chExt cx="0" cy="0"/>
+        </a:xfrm>
+      </p:grpSpPr>
+      <p:sp>
+        <p:nvSpPr>
+          <p:cNvPr id="3" name="Content Placeholder 2"/>
+          <p:cNvSpPr>
+            <a:spLocks noGrp="1"/>
+          </p:cNvSpPr>
+          <p:nvPr>
+            <p:ph idx="1"/>
+          </p:nvPr>
+        </p:nvSpPr>
+        <p:spPr/>
+        <p:txBody>
+          <a:bodyPr/>
+          <a:lstStyle/>
+          <a:p>
+            <a:pPr marL="0" indent="0" algn="ctr">
+              <a:buNone/>
+            </a:pPr>
+            <a:endParaRPr lang="en-US" sz="2800" dirty="0"/>
+          </a:p>
+          <a:p>
+            <a:pPr marL="0" indent="0" algn="ctr">
+              <a:buNone/>
+            </a:pPr>
+            <a:endParaRPr lang="en-US" sz="2800" dirty="0" smtClean="0">
+              <a:solidFill>
+                <a:schemeClr val="bg2">
+                  <a:lumMod val="50000"/>
+                </a:schemeClr>
+              </a:solidFill>
+            </a:endParaRPr>
+          </a:p>
+          <a:p>
+            <a:pPr marL="0" indent="0" algn="ctr">
+              <a:buNone/>
+            </a:pPr>
+            <a:endParaRPr lang="en-US" sz="2800" dirty="0">
+              <a:solidFill>
+                <a:schemeClr val="bg2">
+                  <a:lumMod val="50000"/>
+                </a:schemeClr>
+              </a:solidFill>
+            </a:endParaRPr>
+          </a:p>
+          <a:p>
+            <a:pPr marL="0" indent="0" algn="ctr">
+              <a:buNone/>
+            </a:pPr>
+            <a:r>
+              <a:rPr lang="en-US" sz="4800" dirty="0" smtClean="0">
+                <a:solidFill>
+                  <a:schemeClr val="bg2">
+                    <a:lumMod val="50000"/>
+                  </a:schemeClr>
+                </a:solidFill>
+              </a:rPr>
+              <a:t>Thank You</a:t>
+            </a:r>
+            <a:endParaRPr lang="en-US" sz="4800" dirty="0">
+              <a:solidFill>
+                <a:schemeClr val="bg2">
+                  <a:lumMod val="50000"/>
+                </a:schemeClr>
+              </a:solidFill>
+            </a:endParaRPr>
+          </a:p>
+          <a:p>
+            <a:endParaRPr lang="en-US" dirty="0"/>
+          </a:p>
+        </p:txBody>
+      </p:sp>
+    </p:spTree>
+    <p:extLst>
+      <p:ext uri="{BB962C8B-B14F-4D97-AF65-F5344CB8AC3E}">
+        <p14:creationId xmlns:p14="http://schemas.microsoft.com/office/powerpoint/2010/main" val="1063697291"/>
+      </p:ext>
+    </p:extLst>
+  </p:cSld>
+  <p:clrMapOvr>
+    <a:masterClrMapping/>
+  </p:clrMapOvr>
+  <p:timing>
+    <p:tnLst>
+      <p:par>
+        <p:cTn id="1" dur="indefinite" restart="never" nodeType="tmRoot"/>
+      </p:par>
+    </p:tnLst>
+  </p:timing>
+</p:sld>
+</file>
+
 <file path=ppt/slides/slide5.xml><?xml version="1.0" encoding="utf-8"?>
 <p:sld xmlns:a="http://schemas.openxmlformats.org/drawingml/2006/main" xmlns:r="http://schemas.openxmlformats.org/officeDocument/2006/relationships" xmlns:p="http://schemas.openxmlformats.org/presentationml/2006/main">
   <p:cSld>
@@ -24499,7 +25304,7 @@
             <p:nvPr/>
           </p:nvPicPr>
           <p:blipFill>
-            <a:blip r:embed="rId2">
+            <a:blip r:embed="rId3">
               <a:extLst>
                 <a:ext uri="{28A0092B-C50C-407E-A947-70E740481C1C}">
                   <a14:useLocalDpi xmlns:a14="http://schemas.microsoft.com/office/drawing/2010/main" val="0"/>
@@ -24941,9 +25746,9 @@
       </p:sp>
       <p:pic>
         <p:nvPicPr>
-          <p:cNvPr id="4" name="Picture 3" descr="Screen Clipping"/>
+          <p:cNvPr id="3074" name="Picture 2" descr="K:\paraphrase.JPG"/>
           <p:cNvPicPr>
-            <a:picLocks noChangeAspect="1"/>
+            <a:picLocks noChangeAspect="1" noChangeArrowheads="1"/>
           </p:cNvPicPr>
           <p:nvPr/>
         </p:nvPicPr>
@@ -24955,18 +25760,29 @@
               </a:ext>
             </a:extLst>
           </a:blip>
+          <a:srcRect/>
           <a:stretch>
             <a:fillRect/>
           </a:stretch>
         </p:blipFill>
-        <p:spPr>
+        <p:spPr bwMode="auto">
           <a:xfrm>
-            <a:off x="609600" y="2590800"/>
-            <a:ext cx="8077200" cy="3657600"/>
+            <a:off x="609600" y="2490486"/>
+            <a:ext cx="7772400" cy="3895725"/>
           </a:xfrm>
           <a:prstGeom prst="rect">
             <a:avLst/>
           </a:prstGeom>
+          <a:noFill/>
+          <a:extLst>
+            <a:ext uri="{909E8E84-426E-40DD-AFC4-6F175D3DCCD1}">
+              <a14:hiddenFill xmlns:a14="http://schemas.microsoft.com/office/drawing/2010/main">
+                <a:solidFill>
+                  <a:srgbClr val="FFFFFF"/>
+                </a:solidFill>
+              </a14:hiddenFill>
+            </a:ext>
+          </a:extLst>
         </p:spPr>
       </p:pic>
     </p:spTree>
@@ -25016,7 +25832,7 @@
                                           </p:stCondLst>
                                         </p:cTn>
                                         <p:tgtEl>
-                                          <p:spTgt spid="4"/>
+                                          <p:spTgt spid="3074"/>
                                         </p:tgtEl>
                                         <p:attrNameLst>
                                           <p:attrName>style.visibility</p:attrName>
@@ -25030,7 +25846,7 @@
                                       <p:cBhvr>
                                         <p:cTn id="7" dur="500"/>
                                         <p:tgtEl>
-                                          <p:spTgt spid="4"/>
+                                          <p:spTgt spid="3074"/>
                                         </p:tgtEl>
                                       </p:cBhvr>
                                     </p:animEffect>
@@ -25372,7 +26188,7 @@
             <a:pPr algn="ctr"/>
             <a:r>
               <a:rPr lang="en-US" dirty="0" smtClean="0"/>
-              <a:t>Features</a:t>
+              <a:t>Features –  Alternative</a:t>
             </a:r>
             <a:endParaRPr lang="en-US" dirty="0"/>
           </a:p>
@@ -25827,4 +26643,289 @@
   <a:objectDefaults/>
   <a:extraClrSchemeLst/>
 </a:theme>
+</file>
+
+<file path=ppt/theme/theme2.xml><?xml version="1.0" encoding="utf-8"?>
+<a:theme xmlns:a="http://schemas.openxmlformats.org/drawingml/2006/main" name="Office Theme">
+  <a:themeElements>
+    <a:clrScheme name="Office">
+      <a:dk1>
+        <a:sysClr val="windowText" lastClr="000000"/>
+      </a:dk1>
+      <a:lt1>
+        <a:sysClr val="window" lastClr="FFFFFF"/>
+      </a:lt1>
+      <a:dk2>
+        <a:srgbClr val="1F497D"/>
+      </a:dk2>
+      <a:lt2>
+        <a:srgbClr val="EEECE1"/>
+      </a:lt2>
+      <a:accent1>
+        <a:srgbClr val="4F81BD"/>
+      </a:accent1>
+      <a:accent2>
+        <a:srgbClr val="C0504D"/>
+      </a:accent2>
+      <a:accent3>
+        <a:srgbClr val="9BBB59"/>
+      </a:accent3>
+      <a:accent4>
+        <a:srgbClr val="8064A2"/>
+      </a:accent4>
+      <a:accent5>
+        <a:srgbClr val="4BACC6"/>
+      </a:accent5>
+      <a:accent6>
+        <a:srgbClr val="F79646"/>
+      </a:accent6>
+      <a:hlink>
+        <a:srgbClr val="0000FF"/>
+      </a:hlink>
+      <a:folHlink>
+        <a:srgbClr val="800080"/>
+      </a:folHlink>
+    </a:clrScheme>
+    <a:fontScheme name="Office">
+      <a:majorFont>
+        <a:latin typeface="Calibri"/>
+        <a:ea typeface=""/>
+        <a:cs typeface=""/>
+        <a:font script="Jpan" typeface="ＭＳ Ｐゴシック"/>
+        <a:font script="Hang" typeface="맑은 고딕"/>
+        <a:font script="Hans" typeface="宋体"/>
+        <a:font script="Hant" typeface="新細明體"/>
+        <a:font script="Arab" typeface="Times New Roman"/>
+        <a:font script="Hebr" typeface="Times New Roman"/>
+        <a:font script="Thai" typeface="Angsana New"/>
+        <a:font script="Ethi" typeface="Nyala"/>
+        <a:font script="Beng" typeface="Vrinda"/>
+        <a:font script="Gujr" typeface="Shruti"/>
+        <a:font script="Khmr" typeface="MoolBoran"/>
+        <a:font script="Knda" typeface="Tunga"/>
+        <a:font script="Guru" typeface="Raavi"/>
+        <a:font script="Cans" typeface="Euphemia"/>
+        <a:font script="Cher" typeface="Plantagenet Cherokee"/>
+        <a:font script="Yiii" typeface="Microsoft Yi Baiti"/>
+        <a:font script="Tibt" typeface="Microsoft Himalaya"/>
+        <a:font script="Thaa" typeface="MV Boli"/>
+        <a:font script="Deva" typeface="Mangal"/>
+        <a:font script="Telu" typeface="Gautami"/>
+        <a:font script="Taml" typeface="Latha"/>
+        <a:font script="Syrc" typeface="Estrangelo Edessa"/>
+        <a:font script="Orya" typeface="Kalinga"/>
+        <a:font script="Mlym" typeface="Kartika"/>
+        <a:font script="Laoo" typeface="DokChampa"/>
+        <a:font script="Sinh" typeface="Iskoola Pota"/>
+        <a:font script="Mong" typeface="Mongolian Baiti"/>
+        <a:font script="Viet" typeface="Times New Roman"/>
+        <a:font script="Uigh" typeface="Microsoft Uighur"/>
+        <a:font script="Geor" typeface="Sylfaen"/>
+      </a:majorFont>
+      <a:minorFont>
+        <a:latin typeface="Calibri"/>
+        <a:ea typeface=""/>
+        <a:cs typeface=""/>
+        <a:font script="Jpan" typeface="ＭＳ Ｐゴシック"/>
+        <a:font script="Hang" typeface="맑은 고딕"/>
+        <a:font script="Hans" typeface="宋体"/>
+        <a:font script="Hant" typeface="新細明體"/>
+        <a:font script="Arab" typeface="Arial"/>
+        <a:font script="Hebr" typeface="Arial"/>
+        <a:font script="Thai" typeface="Cordia New"/>
+        <a:font script="Ethi" typeface="Nyala"/>
+        <a:font script="Beng" typeface="Vrinda"/>
+        <a:font script="Gujr" typeface="Shruti"/>
+        <a:font script="Khmr" typeface="DaunPenh"/>
+        <a:font script="Knda" typeface="Tunga"/>
+        <a:font script="Guru" typeface="Raavi"/>
+        <a:font script="Cans" typeface="Euphemia"/>
+        <a:font script="Cher" typeface="Plantagenet Cherokee"/>
+        <a:font script="Yiii" typeface="Microsoft Yi Baiti"/>
+        <a:font script="Tibt" typeface="Microsoft Himalaya"/>
+        <a:font script="Thaa" typeface="MV Boli"/>
+        <a:font script="Deva" typeface="Mangal"/>
+        <a:font script="Telu" typeface="Gautami"/>
+        <a:font script="Taml" typeface="Latha"/>
+        <a:font script="Syrc" typeface="Estrangelo Edessa"/>
+        <a:font script="Orya" typeface="Kalinga"/>
+        <a:font script="Mlym" typeface="Kartika"/>
+        <a:font script="Laoo" typeface="DokChampa"/>
+        <a:font script="Sinh" typeface="Iskoola Pota"/>
+        <a:font script="Mong" typeface="Mongolian Baiti"/>
+        <a:font script="Viet" typeface="Arial"/>
+        <a:font script="Uigh" typeface="Microsoft Uighur"/>
+        <a:font script="Geor" typeface="Sylfaen"/>
+      </a:minorFont>
+    </a:fontScheme>
+    <a:fmtScheme name="Office">
+      <a:fillStyleLst>
+        <a:solidFill>
+          <a:schemeClr val="phClr"/>
+        </a:solidFill>
+        <a:gradFill rotWithShape="1">
+          <a:gsLst>
+            <a:gs pos="0">
+              <a:schemeClr val="phClr">
+                <a:tint val="50000"/>
+                <a:satMod val="300000"/>
+              </a:schemeClr>
+            </a:gs>
+            <a:gs pos="35000">
+              <a:schemeClr val="phClr">
+                <a:tint val="37000"/>
+                <a:satMod val="300000"/>
+              </a:schemeClr>
+            </a:gs>
+            <a:gs pos="100000">
+              <a:schemeClr val="phClr">
+                <a:tint val="15000"/>
+                <a:satMod val="350000"/>
+              </a:schemeClr>
+            </a:gs>
+          </a:gsLst>
+          <a:lin ang="16200000" scaled="1"/>
+        </a:gradFill>
+        <a:gradFill rotWithShape="1">
+          <a:gsLst>
+            <a:gs pos="0">
+              <a:schemeClr val="phClr">
+                <a:shade val="51000"/>
+                <a:satMod val="130000"/>
+              </a:schemeClr>
+            </a:gs>
+            <a:gs pos="80000">
+              <a:schemeClr val="phClr">
+                <a:shade val="93000"/>
+                <a:satMod val="130000"/>
+              </a:schemeClr>
+            </a:gs>
+            <a:gs pos="100000">
+              <a:schemeClr val="phClr">
+                <a:shade val="94000"/>
+                <a:satMod val="135000"/>
+              </a:schemeClr>
+            </a:gs>
+          </a:gsLst>
+          <a:lin ang="16200000" scaled="0"/>
+        </a:gradFill>
+      </a:fillStyleLst>
+      <a:lnStyleLst>
+        <a:ln w="9525" cap="flat" cmpd="sng" algn="ctr">
+          <a:solidFill>
+            <a:schemeClr val="phClr">
+              <a:shade val="95000"/>
+              <a:satMod val="105000"/>
+            </a:schemeClr>
+          </a:solidFill>
+          <a:prstDash val="solid"/>
+        </a:ln>
+        <a:ln w="25400" cap="flat" cmpd="sng" algn="ctr">
+          <a:solidFill>
+            <a:schemeClr val="phClr"/>
+          </a:solidFill>
+          <a:prstDash val="solid"/>
+        </a:ln>
+        <a:ln w="38100" cap="flat" cmpd="sng" algn="ctr">
+          <a:solidFill>
+            <a:schemeClr val="phClr"/>
+          </a:solidFill>
+          <a:prstDash val="solid"/>
+        </a:ln>
+      </a:lnStyleLst>
+      <a:effectStyleLst>
+        <a:effectStyle>
+          <a:effectLst>
+            <a:outerShdw blurRad="40000" dist="20000" dir="5400000" rotWithShape="0">
+              <a:srgbClr val="000000">
+                <a:alpha val="38000"/>
+              </a:srgbClr>
+            </a:outerShdw>
+          </a:effectLst>
+        </a:effectStyle>
+        <a:effectStyle>
+          <a:effectLst>
+            <a:outerShdw blurRad="40000" dist="23000" dir="5400000" rotWithShape="0">
+              <a:srgbClr val="000000">
+                <a:alpha val="35000"/>
+              </a:srgbClr>
+            </a:outerShdw>
+          </a:effectLst>
+        </a:effectStyle>
+        <a:effectStyle>
+          <a:effectLst>
+            <a:outerShdw blurRad="40000" dist="23000" dir="5400000" rotWithShape="0">
+              <a:srgbClr val="000000">
+                <a:alpha val="35000"/>
+              </a:srgbClr>
+            </a:outerShdw>
+          </a:effectLst>
+          <a:scene3d>
+            <a:camera prst="orthographicFront">
+              <a:rot lat="0" lon="0" rev="0"/>
+            </a:camera>
+            <a:lightRig rig="threePt" dir="t">
+              <a:rot lat="0" lon="0" rev="1200000"/>
+            </a:lightRig>
+          </a:scene3d>
+          <a:sp3d>
+            <a:bevelT w="63500" h="25400"/>
+          </a:sp3d>
+        </a:effectStyle>
+      </a:effectStyleLst>
+      <a:bgFillStyleLst>
+        <a:solidFill>
+          <a:schemeClr val="phClr"/>
+        </a:solidFill>
+        <a:gradFill rotWithShape="1">
+          <a:gsLst>
+            <a:gs pos="0">
+              <a:schemeClr val="phClr">
+                <a:tint val="40000"/>
+                <a:satMod val="350000"/>
+              </a:schemeClr>
+            </a:gs>
+            <a:gs pos="40000">
+              <a:schemeClr val="phClr">
+                <a:tint val="45000"/>
+                <a:shade val="99000"/>
+                <a:satMod val="350000"/>
+              </a:schemeClr>
+            </a:gs>
+            <a:gs pos="100000">
+              <a:schemeClr val="phClr">
+                <a:shade val="20000"/>
+                <a:satMod val="255000"/>
+              </a:schemeClr>
+            </a:gs>
+          </a:gsLst>
+          <a:path path="circle">
+            <a:fillToRect l="50000" t="-80000" r="50000" b="180000"/>
+          </a:path>
+        </a:gradFill>
+        <a:gradFill rotWithShape="1">
+          <a:gsLst>
+            <a:gs pos="0">
+              <a:schemeClr val="phClr">
+                <a:tint val="80000"/>
+                <a:satMod val="300000"/>
+              </a:schemeClr>
+            </a:gs>
+            <a:gs pos="100000">
+              <a:schemeClr val="phClr">
+                <a:shade val="30000"/>
+                <a:satMod val="200000"/>
+              </a:schemeClr>
+            </a:gs>
+          </a:gsLst>
+          <a:path path="circle">
+            <a:fillToRect l="50000" t="50000" r="50000" b="50000"/>
+          </a:path>
+        </a:gradFill>
+      </a:bgFillStyleLst>
+    </a:fmtScheme>
+  </a:themeElements>
+  <a:objectDefaults/>
+  <a:extraClrSchemeLst/>
+</a:theme>
 </file>
--- a/trunk/project docs/Final Presentation.pptx
+++ b/trunk/project docs/Final Presentation.pptx
@@ -5,7 +5,7 @@
     <p:sldMasterId id="2147484200" r:id="rId1"/>
   </p:sldMasterIdLst>
   <p:notesMasterIdLst>
-    <p:notesMasterId r:id="rId42"/>
+    <p:notesMasterId r:id="rId43"/>
   </p:notesMasterIdLst>
   <p:sldIdLst>
     <p:sldId id="256" r:id="rId2"/>
@@ -46,8 +46,9 @@
     <p:sldId id="277" r:id="rId37"/>
     <p:sldId id="315" r:id="rId38"/>
     <p:sldId id="324" r:id="rId39"/>
-    <p:sldId id="269" r:id="rId40"/>
-    <p:sldId id="270" r:id="rId41"/>
+    <p:sldId id="326" r:id="rId40"/>
+    <p:sldId id="269" r:id="rId41"/>
+    <p:sldId id="270" r:id="rId42"/>
   </p:sldIdLst>
   <p:sldSz cx="9144000" cy="6858000" type="screen4x3"/>
   <p:notesSz cx="6858000" cy="9144000"/>
@@ -408,11 +409,11 @@
         </c:dLbls>
         <c:marker val="1"/>
         <c:smooth val="0"/>
-        <c:axId val="84082048"/>
-        <c:axId val="25064960"/>
+        <c:axId val="100333440"/>
+        <c:axId val="100859904"/>
       </c:lineChart>
       <c:catAx>
-        <c:axId val="84082048"/>
+        <c:axId val="100333440"/>
         <c:scaling>
           <c:orientation val="minMax"/>
         </c:scaling>
@@ -446,7 +447,7 @@
         <c:majorTickMark val="out"/>
         <c:minorTickMark val="none"/>
         <c:tickLblPos val="nextTo"/>
-        <c:crossAx val="25064960"/>
+        <c:crossAx val="100859904"/>
         <c:crosses val="autoZero"/>
         <c:auto val="1"/>
         <c:lblAlgn val="ctr"/>
@@ -454,7 +455,7 @@
         <c:noMultiLvlLbl val="0"/>
       </c:catAx>
       <c:valAx>
-        <c:axId val="25064960"/>
+        <c:axId val="100859904"/>
         <c:scaling>
           <c:orientation val="minMax"/>
         </c:scaling>
@@ -484,7 +485,7 @@
         <c:majorTickMark val="out"/>
         <c:minorTickMark val="none"/>
         <c:tickLblPos val="nextTo"/>
-        <c:crossAx val="84082048"/>
+        <c:crossAx val="100333440"/>
         <c:crosses val="autoZero"/>
         <c:crossBetween val="midCat"/>
       </c:valAx>
@@ -623,11 +624,11 @@
         </c:dLbls>
         <c:gapWidth val="150"/>
         <c:overlap val="100"/>
-        <c:axId val="25078784"/>
-        <c:axId val="25772800"/>
+        <c:axId val="100918784"/>
+        <c:axId val="100920320"/>
       </c:barChart>
       <c:catAx>
-        <c:axId val="25078784"/>
+        <c:axId val="100918784"/>
         <c:scaling>
           <c:orientation val="minMax"/>
         </c:scaling>
@@ -636,7 +637,7 @@
         <c:majorTickMark val="out"/>
         <c:minorTickMark val="none"/>
         <c:tickLblPos val="nextTo"/>
-        <c:crossAx val="25772800"/>
+        <c:crossAx val="100920320"/>
         <c:crosses val="autoZero"/>
         <c:auto val="1"/>
         <c:lblAlgn val="ctr"/>
@@ -644,7 +645,7 @@
         <c:noMultiLvlLbl val="0"/>
       </c:catAx>
       <c:valAx>
-        <c:axId val="25772800"/>
+        <c:axId val="100920320"/>
         <c:scaling>
           <c:orientation val="minMax"/>
         </c:scaling>
@@ -674,7 +675,7 @@
         <c:majorTickMark val="out"/>
         <c:minorTickMark val="none"/>
         <c:tickLblPos val="nextTo"/>
-        <c:crossAx val="25078784"/>
+        <c:crossAx val="100918784"/>
         <c:crosses val="autoZero"/>
         <c:crossBetween val="between"/>
       </c:valAx>
@@ -828,11 +829,11 @@
         </c:dLbls>
         <c:marker val="1"/>
         <c:smooth val="0"/>
-        <c:axId val="107200512"/>
-        <c:axId val="107202432"/>
+        <c:axId val="28156672"/>
+        <c:axId val="28158592"/>
       </c:lineChart>
       <c:catAx>
-        <c:axId val="107200512"/>
+        <c:axId val="28156672"/>
         <c:scaling>
           <c:orientation val="minMax"/>
         </c:scaling>
@@ -861,7 +862,7 @@
         <c:majorTickMark val="out"/>
         <c:minorTickMark val="none"/>
         <c:tickLblPos val="nextTo"/>
-        <c:crossAx val="107202432"/>
+        <c:crossAx val="28158592"/>
         <c:crosses val="autoZero"/>
         <c:auto val="1"/>
         <c:lblAlgn val="ctr"/>
@@ -869,7 +870,7 @@
         <c:noMultiLvlLbl val="0"/>
       </c:catAx>
       <c:valAx>
-        <c:axId val="107202432"/>
+        <c:axId val="28158592"/>
         <c:scaling>
           <c:orientation val="minMax"/>
           <c:max val="0.82000000000000017"/>
@@ -900,7 +901,7 @@
         <c:majorTickMark val="out"/>
         <c:minorTickMark val="none"/>
         <c:tickLblPos val="nextTo"/>
-        <c:crossAx val="107200512"/>
+        <c:crossAx val="28156672"/>
         <c:crosses val="autoZero"/>
         <c:crossBetween val="between"/>
       </c:valAx>
@@ -1034,11 +1035,11 @@
         </c:dLbls>
         <c:marker val="1"/>
         <c:smooth val="0"/>
-        <c:axId val="22515072"/>
-        <c:axId val="22525440"/>
+        <c:axId val="21721472"/>
+        <c:axId val="21723392"/>
       </c:lineChart>
       <c:catAx>
-        <c:axId val="22515072"/>
+        <c:axId val="21721472"/>
         <c:scaling>
           <c:orientation val="minMax"/>
         </c:scaling>
@@ -1072,7 +1073,7 @@
         <c:majorTickMark val="none"/>
         <c:minorTickMark val="none"/>
         <c:tickLblPos val="nextTo"/>
-        <c:crossAx val="22525440"/>
+        <c:crossAx val="21723392"/>
         <c:crosses val="autoZero"/>
         <c:auto val="1"/>
         <c:lblAlgn val="ctr"/>
@@ -1080,7 +1081,7 @@
         <c:noMultiLvlLbl val="0"/>
       </c:catAx>
       <c:valAx>
-        <c:axId val="22525440"/>
+        <c:axId val="21723392"/>
         <c:scaling>
           <c:orientation val="minMax"/>
           <c:min val="0.4"/>
@@ -1112,7 +1113,7 @@
         <c:majorTickMark val="none"/>
         <c:minorTickMark val="none"/>
         <c:tickLblPos val="nextTo"/>
-        <c:crossAx val="22515072"/>
+        <c:crossAx val="21721472"/>
         <c:crosses val="autoZero"/>
         <c:crossBetween val="between"/>
       </c:valAx>
@@ -5882,11 +5883,7 @@
             <a:pPr algn="just"/>
             <a:r>
               <a:rPr lang="en-US" sz="3200" dirty="0" smtClean="0"/>
-              <a:t>Rich user experience</a:t>
-            </a:r>
-            <a:r>
-              <a:rPr lang="en-US" sz="3200" dirty="0" smtClean="0"/>
-              <a:t>.</a:t>
+              <a:t>Rich user experience.</a:t>
             </a:r>
           </a:p>
           <a:p>
@@ -6098,11 +6095,7 @@
             <a:pPr algn="just"/>
             <a:r>
               <a:rPr lang="en-US" sz="3200" dirty="0" smtClean="0"/>
-              <a:t>Supports </a:t>
-            </a:r>
-            <a:r>
-              <a:rPr lang="en-US" sz="3200" dirty="0" smtClean="0"/>
-              <a:t>for most commonly used document types.</a:t>
+              <a:t>Supports for most commonly used document types.</a:t>
             </a:r>
           </a:p>
           <a:p>
@@ -16603,15 +16596,7 @@
             <a:pPr lvl="1"/>
             <a:r>
               <a:rPr lang="en-US" sz="6400" dirty="0" smtClean="0"/>
-              <a:t>Equation</a:t>
-            </a:r>
-            <a:r>
-              <a:rPr lang="en-US" sz="6400" dirty="0" smtClean="0"/>
-              <a:t>– </a:t>
-            </a:r>
-            <a:r>
-              <a:rPr lang="en-US" sz="6400" dirty="0" smtClean="0"/>
-              <a:t>Semantic Similarity calculation</a:t>
+              <a:t>Equation– Semantic Similarity calculation</a:t>
             </a:r>
           </a:p>
           <a:p>
@@ -24405,15 +24390,6 @@
           </a:bodyPr>
           <a:lstStyle/>
           <a:p>
-            <a:pPr marL="0" indent="0">
-              <a:lnSpc>
-                <a:spcPct val="110000"/>
-              </a:lnSpc>
-              <a:buNone/>
-            </a:pPr>
-            <a:endParaRPr lang="en-US" sz="8000" b="1" dirty="0" smtClean="0"/>
-          </a:p>
-          <a:p>
             <a:pPr>
               <a:lnSpc>
                 <a:spcPct val="110000"/>
@@ -24423,8 +24399,129 @@
             </a:pPr>
             <a:r>
               <a:rPr lang="en-US" sz="9800" dirty="0" smtClean="0"/>
-              <a:t>Core components and features of Java Swing Framework.</a:t>
-            </a:r>
+              <a:t>Available </a:t>
+            </a:r>
+            <a:r>
+              <a:rPr lang="en-US" sz="9800" dirty="0" smtClean="0"/>
+              <a:t>Java reporting libraries</a:t>
+            </a:r>
+          </a:p>
+          <a:p>
+            <a:pPr lvl="1">
+              <a:lnSpc>
+                <a:spcPct val="110000"/>
+              </a:lnSpc>
+              <a:buFont typeface="Arial" pitchFamily="34" charset="0"/>
+              <a:buChar char="•"/>
+            </a:pPr>
+            <a:r>
+              <a:rPr lang="en-US" sz="9600" dirty="0"/>
+              <a:t>	</a:t>
+            </a:r>
+            <a:r>
+              <a:rPr lang="en-US" sz="9600" dirty="0" smtClean="0"/>
+              <a:t>Jasper </a:t>
+            </a:r>
+            <a:r>
+              <a:rPr lang="en-US" sz="9600" dirty="0" smtClean="0"/>
+              <a:t>Reports</a:t>
+            </a:r>
+          </a:p>
+          <a:p>
+            <a:pPr lvl="1">
+              <a:lnSpc>
+                <a:spcPct val="110000"/>
+              </a:lnSpc>
+              <a:buFont typeface="Wingdings" pitchFamily="2" charset="2"/>
+              <a:buChar char="Ø"/>
+            </a:pPr>
+            <a:r>
+              <a:rPr lang="en-US" sz="9600" dirty="0" smtClean="0"/>
+              <a:t> Supports many types of data sources.</a:t>
+            </a:r>
+          </a:p>
+          <a:p>
+            <a:pPr lvl="1">
+              <a:lnSpc>
+                <a:spcPct val="110000"/>
+              </a:lnSpc>
+              <a:buFont typeface="Wingdings" pitchFamily="2" charset="2"/>
+              <a:buChar char="Ø"/>
+            </a:pPr>
+            <a:r>
+              <a:rPr lang="en-US" sz="9600" dirty="0" smtClean="0"/>
+              <a:t> Exporting capability to .</a:t>
+            </a:r>
+            <a:r>
+              <a:rPr lang="en-US" sz="9600" dirty="0" err="1" smtClean="0"/>
+              <a:t>Pdf</a:t>
+            </a:r>
+            <a:r>
+              <a:rPr lang="en-US" sz="9600" dirty="0" smtClean="0"/>
+              <a:t>, .doc, .HTML and many more</a:t>
+            </a:r>
+          </a:p>
+          <a:p>
+            <a:pPr lvl="1">
+              <a:lnSpc>
+                <a:spcPct val="110000"/>
+              </a:lnSpc>
+              <a:buFont typeface="Wingdings" pitchFamily="2" charset="2"/>
+              <a:buChar char="Ø"/>
+            </a:pPr>
+            <a:r>
+              <a:rPr lang="en-US" sz="9600" dirty="0" smtClean="0"/>
+              <a:t> Supports Sub Reports.</a:t>
+            </a:r>
+            <a:r>
+              <a:rPr lang="en-US" sz="9600" dirty="0" smtClean="0"/>
+              <a:t> </a:t>
+            </a:r>
+            <a:endParaRPr lang="en-US" sz="8600" dirty="0" smtClean="0"/>
+          </a:p>
+          <a:p>
+            <a:pPr lvl="1">
+              <a:lnSpc>
+                <a:spcPct val="110000"/>
+              </a:lnSpc>
+              <a:buFont typeface="Arial" pitchFamily="34" charset="0"/>
+              <a:buChar char="•"/>
+            </a:pPr>
+            <a:r>
+              <a:rPr lang="en-US" sz="9600" dirty="0" smtClean="0"/>
+              <a:t>	</a:t>
+            </a:r>
+            <a:r>
+              <a:rPr lang="en-US" sz="9600" dirty="0" err="1" smtClean="0"/>
+              <a:t>JFreeReport</a:t>
+            </a:r>
+            <a:r>
+              <a:rPr lang="en-US" sz="9600" dirty="0" smtClean="0"/>
+              <a:t>.</a:t>
+            </a:r>
+            <a:endParaRPr lang="en-US" sz="9600" dirty="0" smtClean="0"/>
+          </a:p>
+          <a:p>
+            <a:pPr lvl="1">
+              <a:lnSpc>
+                <a:spcPct val="110000"/>
+              </a:lnSpc>
+              <a:buFont typeface="Arial" pitchFamily="34" charset="0"/>
+              <a:buChar char="•"/>
+            </a:pPr>
+            <a:r>
+              <a:rPr lang="en-US" sz="9600" dirty="0" smtClean="0"/>
+              <a:t>	Eclipse </a:t>
+            </a:r>
+            <a:r>
+              <a:rPr lang="en-US" sz="9600" dirty="0" err="1" smtClean="0"/>
+              <a:t>Birt</a:t>
+            </a:r>
+            <a:r>
+              <a:rPr lang="en-US" sz="9600" dirty="0" smtClean="0"/>
+              <a:t>.</a:t>
+            </a:r>
+            <a:endParaRPr lang="en-US" sz="9600" dirty="0" smtClean="0"/>
           </a:p>
           <a:p>
             <a:pPr>
@@ -24436,7 +24533,7 @@
             </a:pPr>
             <a:r>
               <a:rPr lang="en-US" sz="9800" dirty="0" smtClean="0"/>
-              <a:t>Available Java reporting libraries</a:t>
+              <a:t>Available Java Graph plotting libraries</a:t>
             </a:r>
           </a:p>
           <a:p>
@@ -24449,12 +24546,30 @@
             </a:pPr>
             <a:r>
               <a:rPr lang="en-US" sz="9600" dirty="0"/>
+              <a:t>JUNG(Java Universal Network/Graph</a:t>
+            </a:r>
+            <a:r>
+              <a:rPr lang="en-US" sz="9600" dirty="0" smtClean="0"/>
+              <a:t>)</a:t>
+            </a:r>
+          </a:p>
+          <a:p>
+            <a:pPr lvl="2">
+              <a:lnSpc>
+                <a:spcPct val="110000"/>
+              </a:lnSpc>
+              <a:buFont typeface="Arial" pitchFamily="34" charset="0"/>
+              <a:buChar char="•"/>
+            </a:pPr>
+            <a:r>
+              <a:rPr lang="en-US" sz="9300" dirty="0" smtClean="0"/>
+              <a:t>Supports Graph Layouts.</a:t>
+            </a:r>
+            <a:r>
+              <a:rPr lang="en-US" sz="9300" dirty="0" smtClean="0"/>
               <a:t>	</a:t>
             </a:r>
-            <a:r>
-              <a:rPr lang="en-US" sz="9600" dirty="0" smtClean="0"/>
-              <a:t>Jasper Reports</a:t>
-            </a:r>
+            <a:endParaRPr lang="en-US" sz="9300" dirty="0" smtClean="0"/>
           </a:p>
           <a:p>
             <a:pPr lvl="1">
@@ -24465,80 +24580,10 @@
               <a:buChar char="•"/>
             </a:pPr>
             <a:r>
-              <a:rPr lang="en-US" sz="9600" dirty="0" smtClean="0"/>
-              <a:t>	</a:t>
-            </a:r>
-            <a:r>
               <a:rPr lang="en-US" sz="9600" dirty="0" err="1" smtClean="0"/>
-              <a:t>JFreeReport</a:t>
+              <a:t>JGraph</a:t>
             </a:r>
             <a:endParaRPr lang="en-US" sz="9600" dirty="0" smtClean="0"/>
-          </a:p>
-          <a:p>
-            <a:pPr lvl="1">
-              <a:lnSpc>
-                <a:spcPct val="110000"/>
-              </a:lnSpc>
-              <a:buFont typeface="Arial" pitchFamily="34" charset="0"/>
-              <a:buChar char="•"/>
-            </a:pPr>
-            <a:r>
-              <a:rPr lang="en-US" sz="9600" dirty="0" smtClean="0"/>
-              <a:t>	Eclipse </a:t>
-            </a:r>
-            <a:r>
-              <a:rPr lang="en-US" sz="9600" dirty="0" err="1" smtClean="0"/>
-              <a:t>Birt</a:t>
-            </a:r>
-            <a:endParaRPr lang="en-US" sz="9600" dirty="0" smtClean="0"/>
-          </a:p>
-          <a:p>
-            <a:pPr>
-              <a:lnSpc>
-                <a:spcPct val="110000"/>
-              </a:lnSpc>
-              <a:buFont typeface="Arial" pitchFamily="34" charset="0"/>
-              <a:buChar char="•"/>
-            </a:pPr>
-            <a:r>
-              <a:rPr lang="en-US" sz="9800" dirty="0" smtClean="0"/>
-              <a:t>Available Java Graph plotting libraries</a:t>
-            </a:r>
-          </a:p>
-          <a:p>
-            <a:pPr lvl="1">
-              <a:lnSpc>
-                <a:spcPct val="110000"/>
-              </a:lnSpc>
-              <a:buFont typeface="Arial" pitchFamily="34" charset="0"/>
-              <a:buChar char="•"/>
-            </a:pPr>
-            <a:r>
-              <a:rPr lang="en-US" sz="9600" dirty="0" smtClean="0"/>
-              <a:t>	</a:t>
-            </a:r>
-            <a:r>
-              <a:rPr lang="en-US" sz="9600" dirty="0" err="1" smtClean="0"/>
-              <a:t>JGraphT</a:t>
-            </a:r>
-            <a:endParaRPr lang="en-US" sz="9600" dirty="0" smtClean="0"/>
-          </a:p>
-          <a:p>
-            <a:pPr lvl="1">
-              <a:lnSpc>
-                <a:spcPct val="110000"/>
-              </a:lnSpc>
-              <a:buFont typeface="Arial" pitchFamily="34" charset="0"/>
-              <a:buChar char="•"/>
-            </a:pPr>
-            <a:r>
-              <a:rPr lang="en-US" sz="9600" dirty="0"/>
-              <a:t>	</a:t>
-            </a:r>
-            <a:r>
-              <a:rPr lang="en-US" sz="9600" dirty="0" smtClean="0"/>
-              <a:t>JUNG(Java Universal Network/Graph)</a:t>
-            </a:r>
           </a:p>
           <a:p>
             <a:pPr marL="393192" lvl="1" indent="0">
@@ -24687,7 +24732,9 @@
         </p:nvSpPr>
         <p:spPr/>
         <p:txBody>
-          <a:bodyPr/>
+          <a:bodyPr>
+            <a:normAutofit/>
+          </a:bodyPr>
           <a:lstStyle/>
           <a:p>
             <a:pPr>
@@ -24695,8 +24742,27 @@
               <a:buChar char="•"/>
             </a:pPr>
             <a:r>
+              <a:rPr lang="en-US" dirty="0"/>
+              <a:t>Core components and features of Java Swing </a:t>
+            </a:r>
+            <a:r>
               <a:rPr lang="en-US" dirty="0" smtClean="0"/>
-              <a:t>Main APIs Used</a:t>
+              <a:t>Framework</a:t>
+            </a:r>
+            <a:endParaRPr lang="en-US" dirty="0" smtClean="0"/>
+          </a:p>
+          <a:p>
+            <a:pPr>
+              <a:buFont typeface="Arial" pitchFamily="34" charset="0"/>
+              <a:buChar char="•"/>
+            </a:pPr>
+            <a:r>
+              <a:rPr lang="en-US" dirty="0" smtClean="0"/>
+              <a:t>Main </a:t>
+            </a:r>
+            <a:r>
+              <a:rPr lang="en-US" dirty="0" smtClean="0"/>
+              <a:t>APIs Used</a:t>
             </a:r>
           </a:p>
           <a:p>
@@ -24717,21 +24783,11 @@
             <a:pPr lvl="1"/>
             <a:r>
               <a:rPr lang="en-US" dirty="0" smtClean="0"/>
-              <a:t>Jasper Reports</a:t>
-            </a:r>
-          </a:p>
-          <a:p>
-            <a:pPr lvl="1"/>
+              <a:t>Java </a:t>
+            </a:r>
             <a:r>
               <a:rPr lang="en-US" dirty="0" smtClean="0"/>
-              <a:t>JUNG(Java Universal Network/Graph)</a:t>
-            </a:r>
-          </a:p>
-          <a:p>
-            <a:pPr lvl="1"/>
-            <a:r>
-              <a:rPr lang="en-US" dirty="0" smtClean="0"/>
-              <a:t>Java Regular Expression Pattern Matching</a:t>
+              <a:t>Regular Expression Pattern Matching</a:t>
             </a:r>
           </a:p>
           <a:p>
@@ -24911,6 +24967,30 @@
       </p:grpSpPr>
       <p:sp>
         <p:nvSpPr>
+          <p:cNvPr id="2" name="Title 1"/>
+          <p:cNvSpPr>
+            <a:spLocks noGrp="1"/>
+          </p:cNvSpPr>
+          <p:nvPr>
+            <p:ph type="title"/>
+          </p:nvPr>
+        </p:nvSpPr>
+        <p:spPr/>
+        <p:txBody>
+          <a:bodyPr/>
+          <a:lstStyle/>
+          <a:p>
+            <a:pPr algn="ctr"/>
+            <a:r>
+              <a:rPr lang="en-US" dirty="0" smtClean="0"/>
+              <a:t>Future Improvements</a:t>
+            </a:r>
+            <a:endParaRPr lang="en-US" dirty="0"/>
+          </a:p>
+        </p:txBody>
+      </p:sp>
+      <p:sp>
+        <p:nvSpPr>
           <p:cNvPr id="3" name="Content Placeholder 2"/>
           <p:cNvSpPr>
             <a:spLocks noGrp="1"/>
@@ -24924,51 +25004,43 @@
           <a:bodyPr/>
           <a:lstStyle/>
           <a:p>
-            <a:pPr marL="0" indent="0" algn="ctr">
-              <a:buNone/>
-            </a:pPr>
+            <a:r>
+              <a:rPr lang="en-US" dirty="0" smtClean="0"/>
+              <a:t>Detecting Plagiarism in coding assignments</a:t>
+            </a:r>
+          </a:p>
+          <a:p>
+            <a:r>
+              <a:rPr lang="en-US" dirty="0" smtClean="0"/>
+              <a:t>Detecting Plagiarism in documents written in languages other than English.</a:t>
+            </a:r>
+          </a:p>
+          <a:p>
+            <a:r>
+              <a:rPr lang="en-US" dirty="0" smtClean="0"/>
+              <a:t>Supports for more document types. Hard copied documents, </a:t>
+            </a:r>
+            <a:r>
+              <a:rPr lang="en-US" dirty="0" err="1" smtClean="0"/>
+              <a:t>pptx</a:t>
+            </a:r>
+            <a:r>
+              <a:rPr lang="en-US" dirty="0" smtClean="0"/>
+              <a:t>.</a:t>
+            </a:r>
+          </a:p>
+          <a:p>
             <a:endParaRPr lang="en-US" dirty="0" smtClean="0"/>
           </a:p>
           <a:p>
-            <a:pPr marL="0" indent="0" algn="ctr">
-              <a:buNone/>
-            </a:pPr>
             <a:endParaRPr lang="en-US" dirty="0"/>
-          </a:p>
-          <a:p>
-            <a:pPr marL="0" indent="0" algn="ctr">
-              <a:buNone/>
-            </a:pPr>
-            <a:endParaRPr lang="en-US" dirty="0" smtClean="0"/>
-          </a:p>
-          <a:p>
-            <a:pPr marL="0" indent="0" algn="ctr">
-              <a:buNone/>
-            </a:pPr>
-            <a:r>
-              <a:rPr lang="en-US" sz="4800" dirty="0" smtClean="0">
-                <a:solidFill>
-                  <a:schemeClr val="bg2">
-                    <a:lumMod val="50000"/>
-                  </a:schemeClr>
-                </a:solidFill>
-              </a:rPr>
-              <a:t>Q &amp; A</a:t>
-            </a:r>
-            <a:endParaRPr lang="en-US" sz="4800" dirty="0">
-              <a:solidFill>
-                <a:schemeClr val="bg2">
-                  <a:lumMod val="50000"/>
-                </a:schemeClr>
-              </a:solidFill>
-            </a:endParaRPr>
           </a:p>
         </p:txBody>
       </p:sp>
     </p:spTree>
     <p:extLst>
       <p:ext uri="{BB962C8B-B14F-4D97-AF65-F5344CB8AC3E}">
-        <p14:creationId xmlns:p14="http://schemas.microsoft.com/office/powerpoint/2010/main" val="419740049"/>
+        <p14:creationId xmlns:p14="http://schemas.microsoft.com/office/powerpoint/2010/main" val="387808548"/>
       </p:ext>
     </p:extLst>
   </p:cSld>
@@ -25109,6 +25181,99 @@
 </file>
 
 <file path=ppt/slides/slide40.xml><?xml version="1.0" encoding="utf-8"?>
+<p:sld xmlns:a="http://schemas.openxmlformats.org/drawingml/2006/main" xmlns:r="http://schemas.openxmlformats.org/officeDocument/2006/relationships" xmlns:p="http://schemas.openxmlformats.org/presentationml/2006/main">
+  <p:cSld>
+    <p:spTree>
+      <p:nvGrpSpPr>
+        <p:cNvPr id="1" name=""/>
+        <p:cNvGrpSpPr/>
+        <p:nvPr/>
+      </p:nvGrpSpPr>
+      <p:grpSpPr>
+        <a:xfrm>
+          <a:off x="0" y="0"/>
+          <a:ext cx="0" cy="0"/>
+          <a:chOff x="0" y="0"/>
+          <a:chExt cx="0" cy="0"/>
+        </a:xfrm>
+      </p:grpSpPr>
+      <p:sp>
+        <p:nvSpPr>
+          <p:cNvPr id="3" name="Content Placeholder 2"/>
+          <p:cNvSpPr>
+            <a:spLocks noGrp="1"/>
+          </p:cNvSpPr>
+          <p:nvPr>
+            <p:ph idx="1"/>
+          </p:nvPr>
+        </p:nvSpPr>
+        <p:spPr/>
+        <p:txBody>
+          <a:bodyPr/>
+          <a:lstStyle/>
+          <a:p>
+            <a:pPr marL="0" indent="0" algn="ctr">
+              <a:buNone/>
+            </a:pPr>
+            <a:endParaRPr lang="en-US" dirty="0" smtClean="0"/>
+          </a:p>
+          <a:p>
+            <a:pPr marL="0" indent="0" algn="ctr">
+              <a:buNone/>
+            </a:pPr>
+            <a:endParaRPr lang="en-US" dirty="0"/>
+          </a:p>
+          <a:p>
+            <a:pPr marL="0" indent="0" algn="ctr">
+              <a:buNone/>
+            </a:pPr>
+            <a:endParaRPr lang="en-US" dirty="0" smtClean="0"/>
+          </a:p>
+          <a:p>
+            <a:pPr marL="0" indent="0" algn="ctr">
+              <a:buNone/>
+            </a:pPr>
+            <a:r>
+              <a:rPr lang="en-US" sz="4800" dirty="0" smtClean="0">
+                <a:solidFill>
+                  <a:schemeClr val="bg2">
+                    <a:lumMod val="50000"/>
+                  </a:schemeClr>
+                </a:solidFill>
+              </a:rPr>
+              <a:t>Q &amp; A</a:t>
+            </a:r>
+            <a:endParaRPr lang="en-US" sz="4800" dirty="0">
+              <a:solidFill>
+                <a:schemeClr val="bg2">
+                  <a:lumMod val="50000"/>
+                </a:schemeClr>
+              </a:solidFill>
+            </a:endParaRPr>
+          </a:p>
+        </p:txBody>
+      </p:sp>
+    </p:spTree>
+    <p:extLst>
+      <p:ext uri="{BB962C8B-B14F-4D97-AF65-F5344CB8AC3E}">
+        <p14:creationId xmlns:p14="http://schemas.microsoft.com/office/powerpoint/2010/main" val="419740049"/>
+      </p:ext>
+    </p:extLst>
+  </p:cSld>
+  <p:clrMapOvr>
+    <a:masterClrMapping/>
+  </p:clrMapOvr>
+  <p:timing>
+    <p:tnLst>
+      <p:par>
+        <p:cTn id="1" dur="indefinite" restart="never" nodeType="tmRoot"/>
+      </p:par>
+    </p:tnLst>
+  </p:timing>
+</p:sld>
+</file>
+
+<file path=ppt/slides/slide41.xml><?xml version="1.0" encoding="utf-8"?>
 <p:sld xmlns:a="http://schemas.openxmlformats.org/drawingml/2006/main" xmlns:r="http://schemas.openxmlformats.org/officeDocument/2006/relationships" xmlns:p="http://schemas.openxmlformats.org/presentationml/2006/main">
   <p:cSld>
     <p:spTree>
